--- a/PGPROJECT-0Review.pptx
+++ b/PGPROJECT-0Review.pptx
@@ -7,11 +7,11 @@
   <p:sldIdLst>
     <p:sldId id="260" r:id="rId2"/>
     <p:sldId id="256" r:id="rId3"/>
-    <p:sldId id="257" r:id="rId4"/>
-    <p:sldId id="258" r:id="rId5"/>
-    <p:sldId id="259" r:id="rId6"/>
-    <p:sldId id="262" r:id="rId7"/>
-    <p:sldId id="263" r:id="rId8"/>
+    <p:sldId id="264" r:id="rId4"/>
+    <p:sldId id="257" r:id="rId5"/>
+    <p:sldId id="258" r:id="rId6"/>
+    <p:sldId id="259" r:id="rId7"/>
+    <p:sldId id="262" r:id="rId8"/>
   </p:sldIdLst>
   <p:sldSz cx="12192000" cy="6858000"/>
   <p:notesSz cx="6858000" cy="9144000"/>
@@ -709,14 +709,14 @@
   <p:clrMapOvr>
     <a:masterClrMapping/>
   </p:clrMapOvr>
-  <mc:AlternateContent xmlns:mc="http://schemas.openxmlformats.org/markup-compatibility/2006" xmlns:p15="http://schemas.microsoft.com/office/powerpoint/2012/main">
-    <mc:Choice Requires="p15">
-      <p:transition xmlns:p14="http://schemas.microsoft.com/office/powerpoint/2010/main" spd="slow" p14:dur="2000">
-        <p15:prstTrans prst="crush"/>
+  <mc:AlternateContent xmlns:mc="http://schemas.openxmlformats.org/markup-compatibility/2006">
+    <mc:Choice xmlns:p14="http://schemas.microsoft.com/office/powerpoint/2010/main" Requires="p14">
+      <p:transition spd="med" p14:dur="700">
+        <p:fade/>
       </p:transition>
     </mc:Choice>
-    <mc:Fallback xmlns="">
-      <p:transition spd="slow">
+    <mc:Fallback>
+      <p:transition spd="med">
         <p:fade/>
       </p:transition>
     </mc:Fallback>
@@ -986,14 +986,14 @@
   <p:clrMapOvr>
     <a:masterClrMapping/>
   </p:clrMapOvr>
-  <mc:AlternateContent xmlns:mc="http://schemas.openxmlformats.org/markup-compatibility/2006" xmlns:p15="http://schemas.microsoft.com/office/powerpoint/2012/main">
-    <mc:Choice Requires="p15">
-      <p:transition xmlns:p14="http://schemas.microsoft.com/office/powerpoint/2010/main" spd="slow" p14:dur="2000">
-        <p15:prstTrans prst="crush"/>
+  <mc:AlternateContent xmlns:mc="http://schemas.openxmlformats.org/markup-compatibility/2006">
+    <mc:Choice xmlns:p14="http://schemas.microsoft.com/office/powerpoint/2010/main" Requires="p14">
+      <p:transition spd="med" p14:dur="700">
+        <p:fade/>
       </p:transition>
     </mc:Choice>
-    <mc:Fallback xmlns="">
-      <p:transition spd="slow">
+    <mc:Fallback>
+      <p:transition spd="med">
         <p:fade/>
       </p:transition>
     </mc:Fallback>
@@ -1194,14 +1194,14 @@
   <p:clrMapOvr>
     <a:masterClrMapping/>
   </p:clrMapOvr>
-  <mc:AlternateContent xmlns:mc="http://schemas.openxmlformats.org/markup-compatibility/2006" xmlns:p15="http://schemas.microsoft.com/office/powerpoint/2012/main">
-    <mc:Choice Requires="p15">
-      <p:transition xmlns:p14="http://schemas.microsoft.com/office/powerpoint/2010/main" spd="slow" p14:dur="2000">
-        <p15:prstTrans prst="crush"/>
+  <mc:AlternateContent xmlns:mc="http://schemas.openxmlformats.org/markup-compatibility/2006">
+    <mc:Choice xmlns:p14="http://schemas.microsoft.com/office/powerpoint/2010/main" Requires="p14">
+      <p:transition spd="med" p14:dur="700">
+        <p:fade/>
       </p:transition>
     </mc:Choice>
-    <mc:Fallback xmlns="">
-      <p:transition spd="slow">
+    <mc:Fallback>
+      <p:transition spd="med">
         <p:fade/>
       </p:transition>
     </mc:Fallback>
@@ -1708,14 +1708,14 @@
   <p:clrMapOvr>
     <a:masterClrMapping/>
   </p:clrMapOvr>
-  <mc:AlternateContent xmlns:mc="http://schemas.openxmlformats.org/markup-compatibility/2006" xmlns:p15="http://schemas.microsoft.com/office/powerpoint/2012/main">
-    <mc:Choice Requires="p15">
-      <p:transition xmlns:p14="http://schemas.microsoft.com/office/powerpoint/2010/main" spd="slow" p14:dur="2000">
-        <p15:prstTrans prst="crush"/>
+  <mc:AlternateContent xmlns:mc="http://schemas.openxmlformats.org/markup-compatibility/2006">
+    <mc:Choice xmlns:p14="http://schemas.microsoft.com/office/powerpoint/2010/main" Requires="p14">
+      <p:transition spd="med" p14:dur="700">
+        <p:fade/>
       </p:transition>
     </mc:Choice>
-    <mc:Fallback xmlns="">
-      <p:transition spd="slow">
+    <mc:Fallback>
+      <p:transition spd="med">
         <p:fade/>
       </p:transition>
     </mc:Fallback>
@@ -1916,14 +1916,14 @@
   <p:clrMapOvr>
     <a:masterClrMapping/>
   </p:clrMapOvr>
-  <mc:AlternateContent xmlns:mc="http://schemas.openxmlformats.org/markup-compatibility/2006" xmlns:p15="http://schemas.microsoft.com/office/powerpoint/2012/main">
-    <mc:Choice Requires="p15">
-      <p:transition xmlns:p14="http://schemas.microsoft.com/office/powerpoint/2010/main" spd="slow" p14:dur="2000">
-        <p15:prstTrans prst="crush"/>
+  <mc:AlternateContent xmlns:mc="http://schemas.openxmlformats.org/markup-compatibility/2006">
+    <mc:Choice xmlns:p14="http://schemas.microsoft.com/office/powerpoint/2010/main" Requires="p14">
+      <p:transition spd="med" p14:dur="700">
+        <p:fade/>
       </p:transition>
     </mc:Choice>
-    <mc:Fallback xmlns="">
-      <p:transition spd="slow">
+    <mc:Fallback>
+      <p:transition spd="med">
         <p:fade/>
       </p:transition>
     </mc:Fallback>
@@ -2478,14 +2478,14 @@
   <p:clrMapOvr>
     <a:masterClrMapping/>
   </p:clrMapOvr>
-  <mc:AlternateContent xmlns:mc="http://schemas.openxmlformats.org/markup-compatibility/2006" xmlns:p15="http://schemas.microsoft.com/office/powerpoint/2012/main">
-    <mc:Choice Requires="p15">
-      <p:transition xmlns:p14="http://schemas.microsoft.com/office/powerpoint/2010/main" spd="slow" p14:dur="2000">
-        <p15:prstTrans prst="crush"/>
+  <mc:AlternateContent xmlns:mc="http://schemas.openxmlformats.org/markup-compatibility/2006">
+    <mc:Choice xmlns:p14="http://schemas.microsoft.com/office/powerpoint/2010/main" Requires="p14">
+      <p:transition spd="med" p14:dur="700">
+        <p:fade/>
       </p:transition>
     </mc:Choice>
-    <mc:Fallback xmlns="">
-      <p:transition spd="slow">
+    <mc:Fallback>
+      <p:transition spd="med">
         <p:fade/>
       </p:transition>
     </mc:Fallback>
@@ -3280,14 +3280,14 @@
   <p:clrMapOvr>
     <a:masterClrMapping/>
   </p:clrMapOvr>
-  <mc:AlternateContent xmlns:mc="http://schemas.openxmlformats.org/markup-compatibility/2006" xmlns:p15="http://schemas.microsoft.com/office/powerpoint/2012/main">
-    <mc:Choice Requires="p15">
-      <p:transition xmlns:p14="http://schemas.microsoft.com/office/powerpoint/2010/main" spd="slow" p14:dur="2000">
-        <p15:prstTrans prst="crush"/>
+  <mc:AlternateContent xmlns:mc="http://schemas.openxmlformats.org/markup-compatibility/2006">
+    <mc:Choice xmlns:p14="http://schemas.microsoft.com/office/powerpoint/2010/main" Requires="p14">
+      <p:transition spd="med" p14:dur="700">
+        <p:fade/>
       </p:transition>
     </mc:Choice>
-    <mc:Fallback xmlns="">
-      <p:transition spd="slow">
+    <mc:Fallback>
+      <p:transition spd="med">
         <p:fade/>
       </p:transition>
     </mc:Fallback>
@@ -3471,14 +3471,14 @@
   <p:clrMapOvr>
     <a:masterClrMapping/>
   </p:clrMapOvr>
-  <mc:AlternateContent xmlns:mc="http://schemas.openxmlformats.org/markup-compatibility/2006" xmlns:p15="http://schemas.microsoft.com/office/powerpoint/2012/main">
-    <mc:Choice Requires="p15">
-      <p:transition xmlns:p14="http://schemas.microsoft.com/office/powerpoint/2010/main" spd="slow" p14:dur="2000">
-        <p15:prstTrans prst="crush"/>
+  <mc:AlternateContent xmlns:mc="http://schemas.openxmlformats.org/markup-compatibility/2006">
+    <mc:Choice xmlns:p14="http://schemas.microsoft.com/office/powerpoint/2010/main" Requires="p14">
+      <p:transition spd="med" p14:dur="700">
+        <p:fade/>
       </p:transition>
     </mc:Choice>
-    <mc:Fallback xmlns="">
-      <p:transition spd="slow">
+    <mc:Fallback>
+      <p:transition spd="med">
         <p:fade/>
       </p:transition>
     </mc:Fallback>
@@ -3667,14 +3667,14 @@
   <p:clrMapOvr>
     <a:masterClrMapping/>
   </p:clrMapOvr>
-  <mc:AlternateContent xmlns:mc="http://schemas.openxmlformats.org/markup-compatibility/2006" xmlns:p15="http://schemas.microsoft.com/office/powerpoint/2012/main">
-    <mc:Choice Requires="p15">
-      <p:transition xmlns:p14="http://schemas.microsoft.com/office/powerpoint/2010/main" spd="slow" p14:dur="2000">
-        <p15:prstTrans prst="crush"/>
+  <mc:AlternateContent xmlns:mc="http://schemas.openxmlformats.org/markup-compatibility/2006">
+    <mc:Choice xmlns:p14="http://schemas.microsoft.com/office/powerpoint/2010/main" Requires="p14">
+      <p:transition spd="med" p14:dur="700">
+        <p:fade/>
       </p:transition>
     </mc:Choice>
-    <mc:Fallback xmlns="">
-      <p:transition spd="slow">
+    <mc:Fallback>
+      <p:transition spd="med">
         <p:fade/>
       </p:transition>
     </mc:Fallback>
@@ -3854,14 +3854,14 @@
   <p:clrMapOvr>
     <a:masterClrMapping/>
   </p:clrMapOvr>
-  <mc:AlternateContent xmlns:mc="http://schemas.openxmlformats.org/markup-compatibility/2006" xmlns:p15="http://schemas.microsoft.com/office/powerpoint/2012/main">
-    <mc:Choice Requires="p15">
-      <p:transition xmlns:p14="http://schemas.microsoft.com/office/powerpoint/2010/main" spd="slow" p14:dur="2000">
-        <p15:prstTrans prst="crush"/>
+  <mc:AlternateContent xmlns:mc="http://schemas.openxmlformats.org/markup-compatibility/2006">
+    <mc:Choice xmlns:p14="http://schemas.microsoft.com/office/powerpoint/2010/main" Requires="p14">
+      <p:transition spd="med" p14:dur="700">
+        <p:fade/>
       </p:transition>
     </mc:Choice>
-    <mc:Fallback xmlns="">
-      <p:transition spd="slow">
+    <mc:Fallback>
+      <p:transition spd="med">
         <p:fade/>
       </p:transition>
     </mc:Fallback>
@@ -4116,14 +4116,14 @@
   <p:clrMapOvr>
     <a:masterClrMapping/>
   </p:clrMapOvr>
-  <mc:AlternateContent xmlns:mc="http://schemas.openxmlformats.org/markup-compatibility/2006" xmlns:p15="http://schemas.microsoft.com/office/powerpoint/2012/main">
-    <mc:Choice Requires="p15">
-      <p:transition xmlns:p14="http://schemas.microsoft.com/office/powerpoint/2010/main" spd="slow" p14:dur="2000">
-        <p15:prstTrans prst="crush"/>
+  <mc:AlternateContent xmlns:mc="http://schemas.openxmlformats.org/markup-compatibility/2006">
+    <mc:Choice xmlns:p14="http://schemas.microsoft.com/office/powerpoint/2010/main" Requires="p14">
+      <p:transition spd="med" p14:dur="700">
+        <p:fade/>
       </p:transition>
     </mc:Choice>
-    <mc:Fallback xmlns="">
-      <p:transition spd="slow">
+    <mc:Fallback>
+      <p:transition spd="med">
         <p:fade/>
       </p:transition>
     </mc:Fallback>
@@ -4365,14 +4365,14 @@
   <p:clrMapOvr>
     <a:masterClrMapping/>
   </p:clrMapOvr>
-  <mc:AlternateContent xmlns:mc="http://schemas.openxmlformats.org/markup-compatibility/2006" xmlns:p15="http://schemas.microsoft.com/office/powerpoint/2012/main">
-    <mc:Choice Requires="p15">
-      <p:transition xmlns:p14="http://schemas.microsoft.com/office/powerpoint/2010/main" spd="slow" p14:dur="2000">
-        <p15:prstTrans prst="crush"/>
+  <mc:AlternateContent xmlns:mc="http://schemas.openxmlformats.org/markup-compatibility/2006">
+    <mc:Choice xmlns:p14="http://schemas.microsoft.com/office/powerpoint/2010/main" Requires="p14">
+      <p:transition spd="med" p14:dur="700">
+        <p:fade/>
       </p:transition>
     </mc:Choice>
-    <mc:Fallback xmlns="">
-      <p:transition spd="slow">
+    <mc:Fallback>
+      <p:transition spd="med">
         <p:fade/>
       </p:transition>
     </mc:Fallback>
@@ -4762,14 +4762,14 @@
   <p:clrMapOvr>
     <a:masterClrMapping/>
   </p:clrMapOvr>
-  <mc:AlternateContent xmlns:mc="http://schemas.openxmlformats.org/markup-compatibility/2006" xmlns:p15="http://schemas.microsoft.com/office/powerpoint/2012/main">
-    <mc:Choice Requires="p15">
-      <p:transition xmlns:p14="http://schemas.microsoft.com/office/powerpoint/2010/main" spd="slow" p14:dur="2000">
-        <p15:prstTrans prst="crush"/>
+  <mc:AlternateContent xmlns:mc="http://schemas.openxmlformats.org/markup-compatibility/2006">
+    <mc:Choice xmlns:p14="http://schemas.microsoft.com/office/powerpoint/2010/main" Requires="p14">
+      <p:transition spd="med" p14:dur="700">
+        <p:fade/>
       </p:transition>
     </mc:Choice>
-    <mc:Fallback xmlns="">
-      <p:transition spd="slow">
+    <mc:Fallback>
+      <p:transition spd="med">
         <p:fade/>
       </p:transition>
     </mc:Fallback>
@@ -4892,14 +4892,14 @@
   <p:clrMapOvr>
     <a:masterClrMapping/>
   </p:clrMapOvr>
-  <mc:AlternateContent xmlns:mc="http://schemas.openxmlformats.org/markup-compatibility/2006" xmlns:p15="http://schemas.microsoft.com/office/powerpoint/2012/main">
-    <mc:Choice Requires="p15">
-      <p:transition xmlns:p14="http://schemas.microsoft.com/office/powerpoint/2010/main" spd="slow" p14:dur="2000">
-        <p15:prstTrans prst="crush"/>
+  <mc:AlternateContent xmlns:mc="http://schemas.openxmlformats.org/markup-compatibility/2006">
+    <mc:Choice xmlns:p14="http://schemas.microsoft.com/office/powerpoint/2010/main" Requires="p14">
+      <p:transition spd="med" p14:dur="700">
+        <p:fade/>
       </p:transition>
     </mc:Choice>
-    <mc:Fallback xmlns="">
-      <p:transition spd="slow">
+    <mc:Fallback>
+      <p:transition spd="med">
         <p:fade/>
       </p:transition>
     </mc:Fallback>
@@ -4999,14 +4999,14 @@
   <p:clrMapOvr>
     <a:masterClrMapping/>
   </p:clrMapOvr>
-  <mc:AlternateContent xmlns:mc="http://schemas.openxmlformats.org/markup-compatibility/2006" xmlns:p15="http://schemas.microsoft.com/office/powerpoint/2012/main">
-    <mc:Choice Requires="p15">
-      <p:transition xmlns:p14="http://schemas.microsoft.com/office/powerpoint/2010/main" spd="slow" p14:dur="2000">
-        <p15:prstTrans prst="crush"/>
+  <mc:AlternateContent xmlns:mc="http://schemas.openxmlformats.org/markup-compatibility/2006">
+    <mc:Choice xmlns:p14="http://schemas.microsoft.com/office/powerpoint/2010/main" Requires="p14">
+      <p:transition spd="med" p14:dur="700">
+        <p:fade/>
       </p:transition>
     </mc:Choice>
-    <mc:Fallback xmlns="">
-      <p:transition spd="slow">
+    <mc:Fallback>
+      <p:transition spd="med">
         <p:fade/>
       </p:transition>
     </mc:Fallback>
@@ -5264,14 +5264,14 @@
   <p:clrMapOvr>
     <a:masterClrMapping/>
   </p:clrMapOvr>
-  <mc:AlternateContent xmlns:mc="http://schemas.openxmlformats.org/markup-compatibility/2006" xmlns:p15="http://schemas.microsoft.com/office/powerpoint/2012/main">
-    <mc:Choice Requires="p15">
-      <p:transition xmlns:p14="http://schemas.microsoft.com/office/powerpoint/2010/main" spd="slow" p14:dur="2000">
-        <p15:prstTrans prst="crush"/>
+  <mc:AlternateContent xmlns:mc="http://schemas.openxmlformats.org/markup-compatibility/2006">
+    <mc:Choice xmlns:p14="http://schemas.microsoft.com/office/powerpoint/2010/main" Requires="p14">
+      <p:transition spd="med" p14:dur="700">
+        <p:fade/>
       </p:transition>
     </mc:Choice>
-    <mc:Fallback xmlns="">
-      <p:transition spd="slow">
+    <mc:Fallback>
+      <p:transition spd="med">
         <p:fade/>
       </p:transition>
     </mc:Fallback>
@@ -5545,14 +5545,14 @@
   <p:clrMapOvr>
     <a:masterClrMapping/>
   </p:clrMapOvr>
-  <mc:AlternateContent xmlns:mc="http://schemas.openxmlformats.org/markup-compatibility/2006" xmlns:p15="http://schemas.microsoft.com/office/powerpoint/2012/main">
-    <mc:Choice Requires="p15">
-      <p:transition xmlns:p14="http://schemas.microsoft.com/office/powerpoint/2010/main" spd="slow" p14:dur="2000">
-        <p15:prstTrans prst="crush"/>
+  <mc:AlternateContent xmlns:mc="http://schemas.openxmlformats.org/markup-compatibility/2006">
+    <mc:Choice xmlns:p14="http://schemas.microsoft.com/office/powerpoint/2010/main" Requires="p14">
+      <p:transition spd="med" p14:dur="700">
+        <p:fade/>
       </p:transition>
     </mc:Choice>
-    <mc:Fallback xmlns="">
-      <p:transition spd="slow">
+    <mc:Fallback>
+      <p:transition spd="med">
         <p:fade/>
       </p:transition>
     </mc:Fallback>
@@ -6014,14 +6014,14 @@
     <p:sldLayoutId id="2147483685" r:id="rId16"/>
     <p:sldLayoutId id="2147483686" r:id="rId17"/>
   </p:sldLayoutIdLst>
-  <mc:AlternateContent xmlns:mc="http://schemas.openxmlformats.org/markup-compatibility/2006" xmlns:p15="http://schemas.microsoft.com/office/powerpoint/2012/main">
-    <mc:Choice Requires="p15">
-      <p:transition xmlns:p14="http://schemas.microsoft.com/office/powerpoint/2010/main" spd="slow" p14:dur="2000">
-        <p15:prstTrans prst="crush"/>
+  <mc:AlternateContent xmlns:mc="http://schemas.openxmlformats.org/markup-compatibility/2006">
+    <mc:Choice xmlns:p14="http://schemas.microsoft.com/office/powerpoint/2010/main" Requires="p14">
+      <p:transition spd="med" p14:dur="700">
+        <p:fade/>
       </p:transition>
     </mc:Choice>
-    <mc:Fallback xmlns="">
-      <p:transition spd="slow">
+    <mc:Fallback>
+      <p:transition spd="med">
         <p:fade/>
       </p:transition>
     </mc:Fallback>
@@ -6538,14 +6538,14 @@
   <p:clrMapOvr>
     <a:masterClrMapping/>
   </p:clrMapOvr>
-  <mc:AlternateContent xmlns:mc="http://schemas.openxmlformats.org/markup-compatibility/2006" xmlns:p15="http://schemas.microsoft.com/office/powerpoint/2012/main">
-    <mc:Choice Requires="p15">
-      <p:transition xmlns:p14="http://schemas.microsoft.com/office/powerpoint/2010/main" spd="slow" p14:dur="2000">
-        <p15:prstTrans prst="crush"/>
+  <mc:AlternateContent xmlns:mc="http://schemas.openxmlformats.org/markup-compatibility/2006">
+    <mc:Choice xmlns:p14="http://schemas.microsoft.com/office/powerpoint/2010/main" Requires="p14">
+      <p:transition spd="med" p14:dur="700">
+        <p:fade/>
       </p:transition>
     </mc:Choice>
-    <mc:Fallback xmlns="">
-      <p:transition spd="slow">
+    <mc:Fallback>
+      <p:transition spd="med">
         <p:fade/>
       </p:transition>
     </mc:Fallback>
@@ -6624,23 +6624,7 @@
           <a:p>
             <a:r>
               <a:rPr lang="en-US" dirty="0" smtClean="0"/>
-              <a:t>Title proposed by </a:t>
-            </a:r>
-            <a:r>
-              <a:rPr lang="en-US" dirty="0" err="1" smtClean="0"/>
-              <a:t>sunil</a:t>
-            </a:r>
-            <a:r>
-              <a:rPr lang="en-US" dirty="0" smtClean="0"/>
-              <a:t> </a:t>
-            </a:r>
-            <a:r>
-              <a:rPr lang="en-US" dirty="0" err="1" smtClean="0"/>
-              <a:t>aldo.s</a:t>
-            </a:r>
-            <a:r>
-              <a:rPr lang="en-US" dirty="0" smtClean="0"/>
-              <a:t> a</a:t>
+              <a:t>SDG Applied : Good health and well being</a:t>
             </a:r>
             <a:endParaRPr lang="en-IN" dirty="0"/>
           </a:p>
@@ -6656,14 +6640,14 @@
   <p:clrMapOvr>
     <a:masterClrMapping/>
   </p:clrMapOvr>
-  <mc:AlternateContent xmlns:mc="http://schemas.openxmlformats.org/markup-compatibility/2006" xmlns:p15="http://schemas.microsoft.com/office/powerpoint/2012/main">
-    <mc:Choice Requires="p15">
-      <p:transition xmlns:p14="http://schemas.microsoft.com/office/powerpoint/2010/main" spd="slow" p14:dur="2000">
-        <p15:prstTrans prst="crush"/>
+  <mc:AlternateContent xmlns:mc="http://schemas.openxmlformats.org/markup-compatibility/2006">
+    <mc:Choice xmlns:p14="http://schemas.microsoft.com/office/powerpoint/2010/main" Requires="p14">
+      <p:transition spd="med" p14:dur="700">
+        <p:fade/>
       </p:transition>
     </mc:Choice>
-    <mc:Fallback xmlns="">
-      <p:transition spd="slow">
+    <mc:Fallback>
+      <p:transition spd="med">
         <p:fade/>
       </p:transition>
     </mc:Fallback>
@@ -6697,400 +6681,187 @@
       </p:grpSpPr>
       <p:sp>
         <p:nvSpPr>
-          <p:cNvPr id="3" name="Content Placeholder 2"/>
-          <p:cNvSpPr>
-            <a:spLocks noGrp="1"/>
+          <p:cNvPr id="2" name="Title 1"/>
+          <p:cNvSpPr>
+            <a:spLocks noGrp="1"/>
+          </p:cNvSpPr>
+          <p:nvPr>
+            <p:ph type="title"/>
+          </p:nvPr>
+        </p:nvSpPr>
+        <p:spPr/>
+        <p:txBody>
+          <a:bodyPr/>
+          <a:lstStyle/>
+          <a:p>
+            <a:r>
+              <a:rPr lang="en-US" dirty="0" smtClean="0"/>
+              <a:t>abstract</a:t>
+            </a:r>
+            <a:endParaRPr lang="en-IN" dirty="0"/>
+          </a:p>
+        </p:txBody>
+      </p:sp>
+      <p:sp>
+        <p:nvSpPr>
+          <p:cNvPr id="5" name="Rectangle 2"/>
+          <p:cNvSpPr>
+            <a:spLocks noGrp="1" noChangeArrowheads="1"/>
           </p:cNvSpPr>
           <p:nvPr>
             <p:ph sz="quarter" idx="13"/>
           </p:nvPr>
         </p:nvSpPr>
-        <p:spPr>
+        <p:spPr bwMode="auto">
           <a:xfrm>
-            <a:off x="546605" y="1158876"/>
-            <a:ext cx="10625892" cy="4201400"/>
-          </a:xfrm>
-        </p:spPr>
-        <p:txBody>
-          <a:bodyPr>
-            <a:normAutofit/>
-          </a:bodyPr>
-          <a:lstStyle/>
-          <a:p>
-            <a:pPr>
-              <a:lnSpc>
-                <a:spcPct val="170000"/>
-              </a:lnSpc>
-              <a:buFont typeface="Wingdings" panose="05000000000000000000" pitchFamily="2" charset="2"/>
-              <a:buChar char="Ø"/>
-            </a:pPr>
-            <a:r>
-              <a:rPr lang="en-US" sz="1200" b="1" dirty="0" smtClean="0">
-                <a:latin typeface="Times New Roman" panose="02020603050405020304" pitchFamily="18" charset="0"/>
-                <a:cs typeface="Times New Roman" panose="02020603050405020304" pitchFamily="18" charset="0"/>
-              </a:rPr>
-              <a:t>Waste </a:t>
-            </a:r>
-            <a:r>
-              <a:rPr lang="en-US" sz="1200" b="1" dirty="0">
-                <a:latin typeface="Times New Roman" panose="02020603050405020304" pitchFamily="18" charset="0"/>
-                <a:cs typeface="Times New Roman" panose="02020603050405020304" pitchFamily="18" charset="0"/>
-              </a:rPr>
-              <a:t>management in </a:t>
-            </a:r>
-            <a:r>
-              <a:rPr lang="en-US" sz="1200" b="1" dirty="0" smtClean="0">
-                <a:latin typeface="Times New Roman" panose="02020603050405020304" pitchFamily="18" charset="0"/>
-                <a:cs typeface="Times New Roman" panose="02020603050405020304" pitchFamily="18" charset="0"/>
-              </a:rPr>
-              <a:t>areas </a:t>
-            </a:r>
-            <a:r>
-              <a:rPr lang="en-US" sz="1200" b="1" dirty="0">
-                <a:latin typeface="Times New Roman" panose="02020603050405020304" pitchFamily="18" charset="0"/>
-                <a:cs typeface="Times New Roman" panose="02020603050405020304" pitchFamily="18" charset="0"/>
-              </a:rPr>
-              <a:t>faces challenges such as inefficient waste collection, lack of organization, and improper disposal in public spaces. During special events, increased waste generation leads to overflowing garbage and health hazards. Residents often lack an easy way to request waste pickup or report illegal dumping. This results in environmental pollution and reduced quality of life</a:t>
-            </a:r>
-            <a:r>
-              <a:rPr lang="en-US" sz="1200" b="1" dirty="0" smtClean="0">
-                <a:latin typeface="Times New Roman" panose="02020603050405020304" pitchFamily="18" charset="0"/>
-                <a:cs typeface="Times New Roman" panose="02020603050405020304" pitchFamily="18" charset="0"/>
-              </a:rPr>
-              <a:t>.</a:t>
-            </a:r>
-          </a:p>
-          <a:p>
-            <a:pPr>
-              <a:lnSpc>
-                <a:spcPct val="170000"/>
-              </a:lnSpc>
-              <a:buFont typeface="Wingdings" panose="05000000000000000000" pitchFamily="2" charset="2"/>
-              <a:buChar char="Ø"/>
-            </a:pPr>
-            <a:r>
-              <a:rPr lang="en-US" sz="1200" b="1" dirty="0" smtClean="0">
-                <a:latin typeface="Times New Roman" panose="02020603050405020304" pitchFamily="18" charset="0"/>
-                <a:cs typeface="Times New Roman" panose="02020603050405020304" pitchFamily="18" charset="0"/>
-              </a:rPr>
-              <a:t> </a:t>
-            </a:r>
-            <a:r>
-              <a:rPr lang="en-US" sz="1200" b="1" dirty="0">
-                <a:latin typeface="Times New Roman" panose="02020603050405020304" pitchFamily="18" charset="0"/>
-                <a:cs typeface="Times New Roman" panose="02020603050405020304" pitchFamily="18" charset="0"/>
-              </a:rPr>
-              <a:t>The </a:t>
-            </a:r>
-            <a:r>
-              <a:rPr lang="en-US" sz="1200" b="1" dirty="0">
-                <a:solidFill>
-                  <a:srgbClr val="C00000"/>
-                </a:solidFill>
-                <a:latin typeface="Times New Roman" panose="02020603050405020304" pitchFamily="18" charset="0"/>
-                <a:cs typeface="Times New Roman" panose="02020603050405020304" pitchFamily="18" charset="0"/>
-              </a:rPr>
-              <a:t>Home Waste Collection &amp; Public Waste Management System</a:t>
-            </a:r>
-            <a:r>
-              <a:rPr lang="en-US" sz="1200" b="1" dirty="0">
-                <a:latin typeface="Times New Roman" panose="02020603050405020304" pitchFamily="18" charset="0"/>
-                <a:cs typeface="Times New Roman" panose="02020603050405020304" pitchFamily="18" charset="0"/>
-              </a:rPr>
-              <a:t> aims to solve these issues by allowing users to </a:t>
-            </a:r>
-            <a:endParaRPr lang="en-US" sz="1200" b="1" dirty="0" smtClean="0">
-              <a:latin typeface="Times New Roman" panose="02020603050405020304" pitchFamily="18" charset="0"/>
-              <a:cs typeface="Times New Roman" panose="02020603050405020304" pitchFamily="18" charset="0"/>
-            </a:endParaRPr>
-          </a:p>
-          <a:p>
-            <a:pPr lvl="1">
-              <a:lnSpc>
-                <a:spcPct val="170000"/>
-              </a:lnSpc>
-            </a:pPr>
-            <a:r>
-              <a:rPr lang="en-US" sz="1200" b="1" dirty="0" smtClean="0">
-                <a:solidFill>
-                  <a:schemeClr val="accent1">
-                    <a:lumMod val="50000"/>
-                  </a:schemeClr>
-                </a:solidFill>
-                <a:latin typeface="Times New Roman" panose="02020603050405020304" pitchFamily="18" charset="0"/>
-                <a:cs typeface="Times New Roman" panose="02020603050405020304" pitchFamily="18" charset="0"/>
-              </a:rPr>
-              <a:t>request </a:t>
-            </a:r>
-            <a:r>
-              <a:rPr lang="en-US" sz="1200" b="1" dirty="0">
-                <a:solidFill>
-                  <a:schemeClr val="accent1">
-                    <a:lumMod val="50000"/>
-                  </a:schemeClr>
-                </a:solidFill>
-                <a:latin typeface="Times New Roman" panose="02020603050405020304" pitchFamily="18" charset="0"/>
-                <a:cs typeface="Times New Roman" panose="02020603050405020304" pitchFamily="18" charset="0"/>
-              </a:rPr>
-              <a:t>waste </a:t>
-            </a:r>
-            <a:r>
-              <a:rPr lang="en-US" sz="1200" b="1" dirty="0" smtClean="0">
-                <a:solidFill>
-                  <a:schemeClr val="accent1">
-                    <a:lumMod val="50000"/>
-                  </a:schemeClr>
-                </a:solidFill>
-                <a:latin typeface="Times New Roman" panose="02020603050405020304" pitchFamily="18" charset="0"/>
-                <a:cs typeface="Times New Roman" panose="02020603050405020304" pitchFamily="18" charset="0"/>
-              </a:rPr>
-              <a:t>collection</a:t>
-            </a:r>
-          </a:p>
-          <a:p>
-            <a:pPr lvl="1">
-              <a:lnSpc>
-                <a:spcPct val="170000"/>
-              </a:lnSpc>
-            </a:pPr>
-            <a:r>
-              <a:rPr lang="en-US" sz="1200" b="1" dirty="0" smtClean="0">
-                <a:solidFill>
-                  <a:schemeClr val="accent1">
-                    <a:lumMod val="50000"/>
-                  </a:schemeClr>
-                </a:solidFill>
-                <a:latin typeface="Times New Roman" panose="02020603050405020304" pitchFamily="18" charset="0"/>
-                <a:cs typeface="Times New Roman" panose="02020603050405020304" pitchFamily="18" charset="0"/>
-              </a:rPr>
-              <a:t>report </a:t>
-            </a:r>
-            <a:r>
-              <a:rPr lang="en-US" sz="1200" b="1" dirty="0">
-                <a:solidFill>
-                  <a:schemeClr val="accent1">
-                    <a:lumMod val="50000"/>
-                  </a:schemeClr>
-                </a:solidFill>
-                <a:latin typeface="Times New Roman" panose="02020603050405020304" pitchFamily="18" charset="0"/>
-                <a:cs typeface="Times New Roman" panose="02020603050405020304" pitchFamily="18" charset="0"/>
-              </a:rPr>
-              <a:t>public waste </a:t>
-            </a:r>
-            <a:r>
-              <a:rPr lang="en-US" sz="1200" b="1" dirty="0" smtClean="0">
-                <a:solidFill>
-                  <a:schemeClr val="accent1">
-                    <a:lumMod val="50000"/>
-                  </a:schemeClr>
-                </a:solidFill>
-                <a:latin typeface="Times New Roman" panose="02020603050405020304" pitchFamily="18" charset="0"/>
-                <a:cs typeface="Times New Roman" panose="02020603050405020304" pitchFamily="18" charset="0"/>
-              </a:rPr>
-              <a:t>problems</a:t>
-            </a:r>
-          </a:p>
-          <a:p>
-            <a:pPr lvl="1">
-              <a:lnSpc>
-                <a:spcPct val="170000"/>
-              </a:lnSpc>
-            </a:pPr>
-            <a:r>
-              <a:rPr lang="en-US" sz="1200" b="1" dirty="0" smtClean="0">
-                <a:solidFill>
-                  <a:schemeClr val="accent1">
-                    <a:lumMod val="50000"/>
-                  </a:schemeClr>
-                </a:solidFill>
-                <a:latin typeface="Times New Roman" panose="02020603050405020304" pitchFamily="18" charset="0"/>
-                <a:cs typeface="Times New Roman" panose="02020603050405020304" pitchFamily="18" charset="0"/>
-              </a:rPr>
-              <a:t>receive </a:t>
-            </a:r>
-            <a:r>
-              <a:rPr lang="en-US" sz="1200" b="1" dirty="0">
-                <a:solidFill>
-                  <a:schemeClr val="accent1">
-                    <a:lumMod val="50000"/>
-                  </a:schemeClr>
-                </a:solidFill>
-                <a:latin typeface="Times New Roman" panose="02020603050405020304" pitchFamily="18" charset="0"/>
-                <a:cs typeface="Times New Roman" panose="02020603050405020304" pitchFamily="18" charset="0"/>
-              </a:rPr>
-              <a:t>real-time updates. </a:t>
-            </a:r>
-            <a:endParaRPr lang="en-US" sz="1200" b="1" dirty="0" smtClean="0">
-              <a:solidFill>
-                <a:schemeClr val="accent1">
-                  <a:lumMod val="50000"/>
-                </a:schemeClr>
-              </a:solidFill>
-              <a:latin typeface="Times New Roman" panose="02020603050405020304" pitchFamily="18" charset="0"/>
-              <a:cs typeface="Times New Roman" panose="02020603050405020304" pitchFamily="18" charset="0"/>
-            </a:endParaRPr>
-          </a:p>
-          <a:p>
-            <a:pPr lvl="1">
-              <a:lnSpc>
-                <a:spcPct val="170000"/>
-              </a:lnSpc>
-            </a:pPr>
-            <a:r>
-              <a:rPr lang="en-US" sz="1200" b="1" dirty="0">
-                <a:solidFill>
-                  <a:schemeClr val="accent1">
-                    <a:lumMod val="50000"/>
-                  </a:schemeClr>
-                </a:solidFill>
-                <a:latin typeface="Times New Roman" panose="02020603050405020304" pitchFamily="18" charset="0"/>
-                <a:cs typeface="Times New Roman" panose="02020603050405020304" pitchFamily="18" charset="0"/>
-              </a:rPr>
-              <a:t>degradable </a:t>
-            </a:r>
-            <a:r>
-              <a:rPr lang="en-US" sz="1200" b="1" dirty="0" smtClean="0">
-                <a:solidFill>
-                  <a:schemeClr val="accent1">
-                    <a:lumMod val="50000"/>
-                  </a:schemeClr>
-                </a:solidFill>
-                <a:latin typeface="Times New Roman" panose="02020603050405020304" pitchFamily="18" charset="0"/>
-                <a:cs typeface="Times New Roman" panose="02020603050405020304" pitchFamily="18" charset="0"/>
-              </a:rPr>
-              <a:t>waste to fertilizer conversion</a:t>
-            </a:r>
-            <a:endParaRPr lang="en-US" sz="1200" b="1" dirty="0" smtClean="0">
-              <a:solidFill>
-                <a:schemeClr val="accent1">
-                  <a:lumMod val="50000"/>
-                </a:schemeClr>
-              </a:solidFill>
-              <a:latin typeface="Times New Roman" panose="02020603050405020304" pitchFamily="18" charset="0"/>
-              <a:cs typeface="Times New Roman" panose="02020603050405020304" pitchFamily="18" charset="0"/>
-            </a:endParaRPr>
-          </a:p>
-          <a:p>
-            <a:pPr>
-              <a:lnSpc>
-                <a:spcPct val="170000"/>
-              </a:lnSpc>
-              <a:buFont typeface="Wingdings" panose="05000000000000000000" pitchFamily="2" charset="2"/>
-              <a:buChar char="Ø"/>
-            </a:pPr>
-            <a:r>
-              <a:rPr lang="en-US" sz="1200" b="1" dirty="0" smtClean="0">
-                <a:latin typeface="Times New Roman" panose="02020603050405020304" pitchFamily="18" charset="0"/>
-                <a:cs typeface="Times New Roman" panose="02020603050405020304" pitchFamily="18" charset="0"/>
-              </a:rPr>
-              <a:t>Admins </a:t>
-            </a:r>
-            <a:r>
-              <a:rPr lang="en-US" sz="1200" b="1" dirty="0">
-                <a:latin typeface="Times New Roman" panose="02020603050405020304" pitchFamily="18" charset="0"/>
-                <a:cs typeface="Times New Roman" panose="02020603050405020304" pitchFamily="18" charset="0"/>
-              </a:rPr>
-              <a:t>will assign workers efficiently, ensuring timely waste disposal. The system promotes cleaner neighborhoods, improves waste collection responsiveness, and enhances worker coordination</a:t>
-            </a:r>
-            <a:r>
-              <a:rPr lang="en-US" sz="1200" b="1" dirty="0" smtClean="0">
-                <a:latin typeface="Times New Roman" panose="02020603050405020304" pitchFamily="18" charset="0"/>
-                <a:cs typeface="Times New Roman" panose="02020603050405020304" pitchFamily="18" charset="0"/>
-              </a:rPr>
-              <a:t>.</a:t>
-            </a:r>
-            <a:endParaRPr lang="en-IN" sz="1200" b="1" dirty="0">
-              <a:latin typeface="Times New Roman" panose="02020603050405020304" pitchFamily="18" charset="0"/>
-              <a:cs typeface="Times New Roman" panose="02020603050405020304" pitchFamily="18" charset="0"/>
-            </a:endParaRPr>
-          </a:p>
-        </p:txBody>
-      </p:sp>
-      <p:sp>
-        <p:nvSpPr>
-          <p:cNvPr id="4" name="Rectangle 3"/>
-          <p:cNvSpPr/>
-          <p:nvPr/>
-        </p:nvSpPr>
-        <p:spPr>
-          <a:xfrm>
-            <a:off x="395574" y="235546"/>
-            <a:ext cx="5891165" cy="923330"/>
+            <a:off x="685800" y="1837765"/>
+            <a:ext cx="10181897" cy="2215991"/>
           </a:xfrm>
           <a:prstGeom prst="rect">
             <a:avLst/>
           </a:prstGeom>
           <a:noFill/>
+          <a:ln>
+            <a:noFill/>
+          </a:ln>
+          <a:effectLst/>
+          <a:extLst>
+            <a:ext uri="{909E8E84-426E-40DD-AFC4-6F175D3DCCD1}">
+              <a14:hiddenFill xmlns:a14="http://schemas.microsoft.com/office/drawing/2010/main">
+                <a:solidFill>
+                  <a:schemeClr val="accent1"/>
+                </a:solidFill>
+              </a14:hiddenFill>
+            </a:ext>
+            <a:ext uri="{91240B29-F687-4F45-9708-019B960494DF}">
+              <a14:hiddenLine xmlns:a14="http://schemas.microsoft.com/office/drawing/2010/main" w="9525">
+                <a:solidFill>
+                  <a:schemeClr val="tx1"/>
+                </a:solidFill>
+                <a:miter lim="800000"/>
+                <a:headEnd/>
+                <a:tailEnd/>
+              </a14:hiddenLine>
+            </a:ext>
+            <a:ext uri="{AF507438-7753-43E0-B8FC-AC1667EBCBE1}">
+              <a14:hiddenEffects xmlns:a14="http://schemas.microsoft.com/office/drawing/2010/main">
+                <a:effectLst>
+                  <a:outerShdw dist="35921" dir="2700000" algn="ctr" rotWithShape="0">
+                    <a:schemeClr val="bg2"/>
+                  </a:outerShdw>
+                </a:effectLst>
+              </a14:hiddenEffects>
+            </a:ext>
+          </a:extLst>
         </p:spPr>
         <p:txBody>
-          <a:bodyPr wrap="none" lIns="91440" tIns="45720" rIns="91440" bIns="45720">
+          <a:bodyPr vert="horz" wrap="square" lIns="91440" tIns="45720" rIns="91440" bIns="45720" numCol="1" anchor="ctr" anchorCtr="0" compatLnSpc="1">
+            <a:prstTxWarp prst="textNoShape">
+              <a:avLst/>
+            </a:prstTxWarp>
             <a:spAutoFit/>
           </a:bodyPr>
           <a:lstStyle/>
           <a:p>
-            <a:pPr algn="ctr"/>
-            <a:r>
-              <a:rPr lang="en-US" sz="5400" b="1" dirty="0" smtClean="0">
-                <a:ln w="12700">
-                  <a:solidFill>
-                    <a:schemeClr val="accent1"/>
-                  </a:solidFill>
-                  <a:prstDash val="solid"/>
+            <a:pPr marL="0" marR="0" lvl="0" indent="0" algn="l" defTabSz="914400" rtl="0" eaLnBrk="0" fontAlgn="base" latinLnBrk="0" hangingPunct="0">
+              <a:lnSpc>
+                <a:spcPct val="100000"/>
+              </a:lnSpc>
+              <a:spcBef>
+                <a:spcPct val="0"/>
+              </a:spcBef>
+              <a:spcAft>
+                <a:spcPct val="0"/>
+              </a:spcAft>
+              <a:buClrTx/>
+              <a:buSzTx/>
+              <a:buFontTx/>
+              <a:buNone/>
+              <a:tabLst/>
+            </a:pPr>
+            <a:r>
+              <a:rPr kumimoji="0" lang="en-US" b="0" i="0" u="none" strike="noStrike" cap="none" normalizeH="0" baseline="0" dirty="0" smtClean="0">
+                <a:ln>
+                  <a:noFill/>
                 </a:ln>
                 <a:solidFill>
-                  <a:schemeClr val="accent1">
-                    <a:lumMod val="60000"/>
-                    <a:lumOff val="40000"/>
-                  </a:schemeClr>
-                </a:solidFill>
-                <a:effectLst>
-                  <a:outerShdw dist="38100" dir="2640000" algn="bl" rotWithShape="0">
-                    <a:schemeClr val="accent1"/>
-                  </a:outerShdw>
-                </a:effectLst>
-              </a:rPr>
-              <a:t>PROBLEM </a:t>
-            </a:r>
-            <a:r>
-              <a:rPr lang="en-US" sz="5400" b="1" cap="none" spc="0" dirty="0" smtClean="0">
-                <a:ln w="12700">
-                  <a:solidFill>
-                    <a:schemeClr val="accent1"/>
-                  </a:solidFill>
-                  <a:prstDash val="solid"/>
+                  <a:schemeClr val="tx1"/>
+                </a:solidFill>
+                <a:effectLst/>
+                <a:latin typeface="Times New Roman" panose="02020603050405020304" pitchFamily="18" charset="0"/>
+                <a:cs typeface="Times New Roman" panose="02020603050405020304" pitchFamily="18" charset="0"/>
+              </a:rPr>
+              <a:t>The </a:t>
+            </a:r>
+            <a:r>
+              <a:rPr kumimoji="0" lang="en-US" b="1" i="0" u="none" strike="noStrike" cap="none" normalizeH="0" baseline="0" dirty="0" smtClean="0">
+                <a:ln>
+                  <a:noFill/>
                 </a:ln>
                 <a:solidFill>
-                  <a:schemeClr val="accent1">
-                    <a:lumMod val="60000"/>
-                    <a:lumOff val="40000"/>
-                  </a:schemeClr>
-                </a:solidFill>
-                <a:effectLst>
-                  <a:outerShdw dist="38100" dir="2640000" algn="bl" rotWithShape="0">
-                    <a:schemeClr val="accent1"/>
-                  </a:outerShdw>
-                </a:effectLst>
-              </a:rPr>
-              <a:t>STATEMENT</a:t>
-            </a:r>
-            <a:endParaRPr lang="en-IN" sz="5400" b="1" cap="none" spc="0" dirty="0">
-              <a:ln w="12700">
-                <a:solidFill>
-                  <a:schemeClr val="accent1"/>
-                </a:solidFill>
-                <a:prstDash val="solid"/>
+                  <a:schemeClr val="tx1"/>
+                </a:solidFill>
+                <a:effectLst/>
+                <a:latin typeface="Times New Roman" panose="02020603050405020304" pitchFamily="18" charset="0"/>
+                <a:cs typeface="Times New Roman" panose="02020603050405020304" pitchFamily="18" charset="0"/>
+              </a:rPr>
+              <a:t>Home Waste Collection &amp; Public Waste Management System</a:t>
+            </a:r>
+            <a:r>
+              <a:rPr kumimoji="0" lang="en-US" b="1" i="0" u="none" strike="noStrike" cap="none" normalizeH="0" dirty="0" smtClean="0">
+                <a:ln>
+                  <a:noFill/>
+                </a:ln>
+                <a:solidFill>
+                  <a:schemeClr val="tx1"/>
+                </a:solidFill>
+                <a:effectLst/>
+                <a:latin typeface="Times New Roman" panose="02020603050405020304" pitchFamily="18" charset="0"/>
+                <a:cs typeface="Times New Roman" panose="02020603050405020304" pitchFamily="18" charset="0"/>
+              </a:rPr>
+              <a:t> </a:t>
+            </a:r>
+            <a:r>
+              <a:rPr kumimoji="0" lang="en-US" b="0" i="0" u="none" strike="noStrike" cap="none" normalizeH="0" baseline="0" dirty="0" smtClean="0">
+                <a:ln>
+                  <a:noFill/>
+                </a:ln>
+                <a:solidFill>
+                  <a:schemeClr val="tx1"/>
+                </a:solidFill>
+                <a:effectLst/>
+                <a:latin typeface="Times New Roman" panose="02020603050405020304" pitchFamily="18" charset="0"/>
+                <a:cs typeface="Times New Roman" panose="02020603050405020304" pitchFamily="18" charset="0"/>
+              </a:rPr>
+              <a:t>allows residents to request waste pickup, especially during events with higher waste generation, and report illegal dumping in public spaces. Admins can assign workers for efficient cleanup, and degradable waste is converted into fertilizer for distribution to those in need. The system provides real-time updates, ensuring timely collection and promoting cleanliness, sustainability, and efficient waste management in both urban and rural areas.</a:t>
+            </a:r>
+          </a:p>
+          <a:p>
+            <a:pPr marL="0" marR="0" lvl="0" indent="0" algn="l" defTabSz="914400" rtl="0" eaLnBrk="0" fontAlgn="base" latinLnBrk="0" hangingPunct="0">
+              <a:lnSpc>
+                <a:spcPct val="100000"/>
+              </a:lnSpc>
+              <a:spcBef>
+                <a:spcPct val="0"/>
+              </a:spcBef>
+              <a:spcAft>
+                <a:spcPct val="0"/>
+              </a:spcAft>
+              <a:buClrTx/>
+              <a:buSzTx/>
+              <a:buFontTx/>
+              <a:buNone/>
+              <a:tabLst/>
+            </a:pPr>
+            <a:endParaRPr kumimoji="0" lang="en-US" sz="1800" b="0" i="0" u="none" strike="noStrike" cap="none" normalizeH="0" baseline="0" dirty="0" smtClean="0">
+              <a:ln>
+                <a:noFill/>
               </a:ln>
               <a:solidFill>
-                <a:schemeClr val="accent1">
-                  <a:lumMod val="60000"/>
-                  <a:lumOff val="40000"/>
-                </a:schemeClr>
+                <a:schemeClr val="tx1"/>
               </a:solidFill>
-              <a:effectLst>
-                <a:outerShdw dist="38100" dir="2640000" algn="bl" rotWithShape="0">
-                  <a:schemeClr val="accent1"/>
-                </a:outerShdw>
-              </a:effectLst>
+              <a:effectLst/>
+              <a:latin typeface="Arial" panose="020B0604020202020204" pitchFamily="34" charset="0"/>
             </a:endParaRPr>
           </a:p>
         </p:txBody>
@@ -7098,21 +6869,21 @@
     </p:spTree>
     <p:extLst>
       <p:ext uri="{BB962C8B-B14F-4D97-AF65-F5344CB8AC3E}">
-        <p14:creationId xmlns:p14="http://schemas.microsoft.com/office/powerpoint/2010/main" val="1938069388"/>
+        <p14:creationId xmlns:p14="http://schemas.microsoft.com/office/powerpoint/2010/main" val="892335809"/>
       </p:ext>
     </p:extLst>
   </p:cSld>
   <p:clrMapOvr>
     <a:masterClrMapping/>
   </p:clrMapOvr>
-  <mc:AlternateContent xmlns:mc="http://schemas.openxmlformats.org/markup-compatibility/2006" xmlns:p15="http://schemas.microsoft.com/office/powerpoint/2012/main">
-    <mc:Choice Requires="p15">
-      <p:transition xmlns:p14="http://schemas.microsoft.com/office/powerpoint/2010/main" spd="slow" p14:dur="2000">
-        <p15:prstTrans prst="crush"/>
+  <mc:AlternateContent xmlns:mc="http://schemas.openxmlformats.org/markup-compatibility/2006">
+    <mc:Choice xmlns:p14="http://schemas.microsoft.com/office/powerpoint/2010/main" Requires="p14">
+      <p:transition spd="med" p14:dur="700">
+        <p:fade/>
       </p:transition>
     </mc:Choice>
-    <mc:Fallback xmlns="">
-      <p:transition spd="slow">
+    <mc:Fallback>
+      <p:transition spd="med">
         <p:fade/>
       </p:transition>
     </mc:Fallback>
@@ -7156,166 +6927,296 @@
         </p:nvSpPr>
         <p:spPr>
           <a:xfrm>
-            <a:off x="332832" y="1506047"/>
-            <a:ext cx="10394707" cy="3311189"/>
+            <a:off x="546605" y="1158876"/>
+            <a:ext cx="10625892" cy="4201400"/>
           </a:xfrm>
         </p:spPr>
         <p:txBody>
           <a:bodyPr>
-            <a:noAutofit/>
+            <a:normAutofit/>
           </a:bodyPr>
           <a:lstStyle/>
           <a:p>
-            <a:pPr marL="0" indent="0">
-              <a:buNone/>
+            <a:pPr>
+              <a:lnSpc>
+                <a:spcPct val="170000"/>
+              </a:lnSpc>
+              <a:buFont typeface="Wingdings" panose="05000000000000000000" pitchFamily="2" charset="2"/>
+              <a:buChar char="Ø"/>
             </a:pPr>
             <a:r>
-              <a:rPr lang="en-IN" sz="1800" b="1" dirty="0">
-                <a:solidFill>
-                  <a:srgbClr val="C00000"/>
-                </a:solidFill>
+              <a:rPr lang="en-US" sz="1200" b="1" dirty="0" smtClean="0">
                 <a:latin typeface="Times New Roman" panose="02020603050405020304" pitchFamily="18" charset="0"/>
                 <a:cs typeface="Times New Roman" panose="02020603050405020304" pitchFamily="18" charset="0"/>
               </a:rPr>
-              <a:t>Hardware &amp; Software Requirements for Home Waste Collection &amp; Public Waste Management </a:t>
-            </a:r>
-            <a:r>
-              <a:rPr lang="en-IN" sz="1800" b="1" dirty="0" smtClean="0">
-                <a:solidFill>
-                  <a:srgbClr val="C00000"/>
-                </a:solidFill>
+              <a:t>Waste </a:t>
+            </a:r>
+            <a:r>
+              <a:rPr lang="en-US" sz="1200" b="1" dirty="0">
                 <a:latin typeface="Times New Roman" panose="02020603050405020304" pitchFamily="18" charset="0"/>
                 <a:cs typeface="Times New Roman" panose="02020603050405020304" pitchFamily="18" charset="0"/>
               </a:rPr>
-              <a:t>System</a:t>
-            </a:r>
-            <a:endParaRPr lang="en-IN" sz="1800" b="1" dirty="0">
-              <a:solidFill>
-                <a:srgbClr val="C00000"/>
-              </a:solidFill>
+              <a:t>management in </a:t>
+            </a:r>
+            <a:r>
+              <a:rPr lang="en-US" sz="1200" b="1" dirty="0" smtClean="0">
+                <a:latin typeface="Times New Roman" panose="02020603050405020304" pitchFamily="18" charset="0"/>
+                <a:cs typeface="Times New Roman" panose="02020603050405020304" pitchFamily="18" charset="0"/>
+              </a:rPr>
+              <a:t>areas </a:t>
+            </a:r>
+            <a:r>
+              <a:rPr lang="en-US" sz="1200" b="1" dirty="0">
+                <a:latin typeface="Times New Roman" panose="02020603050405020304" pitchFamily="18" charset="0"/>
+                <a:cs typeface="Times New Roman" panose="02020603050405020304" pitchFamily="18" charset="0"/>
+              </a:rPr>
+              <a:t>faces challenges such as inefficient waste collection, lack of organization, and improper disposal in public spaces. During special events, increased waste generation leads to overflowing garbage and health hazards. Residents often lack an easy way to request waste pickup or report illegal dumping. This results in environmental pollution and reduced quality of life</a:t>
+            </a:r>
+            <a:r>
+              <a:rPr lang="en-US" sz="1200" b="1" dirty="0" smtClean="0">
+                <a:latin typeface="Times New Roman" panose="02020603050405020304" pitchFamily="18" charset="0"/>
+                <a:cs typeface="Times New Roman" panose="02020603050405020304" pitchFamily="18" charset="0"/>
+              </a:rPr>
+              <a:t>.</a:t>
+            </a:r>
+          </a:p>
+          <a:p>
+            <a:pPr>
+              <a:lnSpc>
+                <a:spcPct val="170000"/>
+              </a:lnSpc>
+              <a:buFont typeface="Wingdings" panose="05000000000000000000" pitchFamily="2" charset="2"/>
+              <a:buChar char="Ø"/>
+            </a:pPr>
+            <a:r>
+              <a:rPr lang="en-US" sz="1200" b="1" dirty="0" smtClean="0">
+                <a:latin typeface="Times New Roman" panose="02020603050405020304" pitchFamily="18" charset="0"/>
+                <a:cs typeface="Times New Roman" panose="02020603050405020304" pitchFamily="18" charset="0"/>
+              </a:rPr>
+              <a:t> </a:t>
+            </a:r>
+            <a:r>
+              <a:rPr lang="en-US" sz="1200" b="1" dirty="0">
+                <a:latin typeface="Times New Roman" panose="02020603050405020304" pitchFamily="18" charset="0"/>
+                <a:cs typeface="Times New Roman" panose="02020603050405020304" pitchFamily="18" charset="0"/>
+              </a:rPr>
+              <a:t>The </a:t>
+            </a:r>
+            <a:r>
+              <a:rPr lang="en-US" sz="1200" b="1" dirty="0">
+                <a:solidFill>
+                  <a:srgbClr val="C00000"/>
+                </a:solidFill>
+                <a:latin typeface="Times New Roman" panose="02020603050405020304" pitchFamily="18" charset="0"/>
+                <a:cs typeface="Times New Roman" panose="02020603050405020304" pitchFamily="18" charset="0"/>
+              </a:rPr>
+              <a:t>Home Waste Collection &amp; Public Waste Management System</a:t>
+            </a:r>
+            <a:r>
+              <a:rPr lang="en-US" sz="1200" b="1" dirty="0">
+                <a:latin typeface="Times New Roman" panose="02020603050405020304" pitchFamily="18" charset="0"/>
+                <a:cs typeface="Times New Roman" panose="02020603050405020304" pitchFamily="18" charset="0"/>
+              </a:rPr>
+              <a:t> aims to solve these issues by allowing users to </a:t>
+            </a:r>
+            <a:endParaRPr lang="en-US" sz="1200" b="1" dirty="0" smtClean="0">
               <a:latin typeface="Times New Roman" panose="02020603050405020304" pitchFamily="18" charset="0"/>
               <a:cs typeface="Times New Roman" panose="02020603050405020304" pitchFamily="18" charset="0"/>
             </a:endParaRPr>
           </a:p>
           <a:p>
-            <a:pPr lvl="1"/>
-            <a:r>
-              <a:rPr lang="en-IN" b="1" dirty="0" smtClean="0">
+            <a:pPr lvl="1">
+              <a:lnSpc>
+                <a:spcPct val="170000"/>
+              </a:lnSpc>
+            </a:pPr>
+            <a:r>
+              <a:rPr lang="en-US" sz="1200" b="1" dirty="0" smtClean="0">
+                <a:solidFill>
+                  <a:schemeClr val="accent1">
+                    <a:lumMod val="50000"/>
+                  </a:schemeClr>
+                </a:solidFill>
                 <a:latin typeface="Times New Roman" panose="02020603050405020304" pitchFamily="18" charset="0"/>
                 <a:cs typeface="Times New Roman" panose="02020603050405020304" pitchFamily="18" charset="0"/>
               </a:rPr>
-              <a:t>Operating </a:t>
-            </a:r>
-            <a:r>
-              <a:rPr lang="en-IN" b="1" dirty="0">
+              <a:t>request </a:t>
+            </a:r>
+            <a:r>
+              <a:rPr lang="en-US" sz="1200" b="1" dirty="0">
+                <a:solidFill>
+                  <a:schemeClr val="accent1">
+                    <a:lumMod val="50000"/>
+                  </a:schemeClr>
+                </a:solidFill>
                 <a:latin typeface="Times New Roman" panose="02020603050405020304" pitchFamily="18" charset="0"/>
                 <a:cs typeface="Times New Roman" panose="02020603050405020304" pitchFamily="18" charset="0"/>
               </a:rPr>
-              <a:t>System</a:t>
-            </a:r>
-            <a:r>
-              <a:rPr lang="en-IN" dirty="0">
+              <a:t>waste </a:t>
+            </a:r>
+            <a:r>
+              <a:rPr lang="en-US" sz="1200" b="1" dirty="0" smtClean="0">
+                <a:solidFill>
+                  <a:schemeClr val="accent1">
+                    <a:lumMod val="50000"/>
+                  </a:schemeClr>
+                </a:solidFill>
                 <a:latin typeface="Times New Roman" panose="02020603050405020304" pitchFamily="18" charset="0"/>
                 <a:cs typeface="Times New Roman" panose="02020603050405020304" pitchFamily="18" charset="0"/>
               </a:rPr>
-              <a:t>: Windows, Linux, or </a:t>
-            </a:r>
-            <a:r>
-              <a:rPr lang="en-IN" dirty="0" err="1">
+              <a:t>collection</a:t>
+            </a:r>
+          </a:p>
+          <a:p>
+            <a:pPr lvl="1">
+              <a:lnSpc>
+                <a:spcPct val="170000"/>
+              </a:lnSpc>
+            </a:pPr>
+            <a:r>
+              <a:rPr lang="en-US" sz="1200" b="1" dirty="0" smtClean="0">
+                <a:solidFill>
+                  <a:schemeClr val="accent1">
+                    <a:lumMod val="50000"/>
+                  </a:schemeClr>
+                </a:solidFill>
                 <a:latin typeface="Times New Roman" panose="02020603050405020304" pitchFamily="18" charset="0"/>
                 <a:cs typeface="Times New Roman" panose="02020603050405020304" pitchFamily="18" charset="0"/>
               </a:rPr>
-              <a:t>macOS</a:t>
-            </a:r>
-            <a:r>
-              <a:rPr lang="en-IN" dirty="0">
+              <a:t>report </a:t>
+            </a:r>
+            <a:r>
+              <a:rPr lang="en-US" sz="1200" b="1" dirty="0">
+                <a:solidFill>
+                  <a:schemeClr val="accent1">
+                    <a:lumMod val="50000"/>
+                  </a:schemeClr>
+                </a:solidFill>
                 <a:latin typeface="Times New Roman" panose="02020603050405020304" pitchFamily="18" charset="0"/>
                 <a:cs typeface="Times New Roman" panose="02020603050405020304" pitchFamily="18" charset="0"/>
               </a:rPr>
-              <a:t> (for development and deployment).</a:t>
-            </a:r>
-          </a:p>
-          <a:p>
-            <a:pPr lvl="1"/>
-            <a:r>
-              <a:rPr lang="en-IN" b="1" dirty="0">
+              <a:t>public waste </a:t>
+            </a:r>
+            <a:r>
+              <a:rPr lang="en-US" sz="1200" b="1" dirty="0" smtClean="0">
+                <a:solidFill>
+                  <a:schemeClr val="accent1">
+                    <a:lumMod val="50000"/>
+                  </a:schemeClr>
+                </a:solidFill>
                 <a:latin typeface="Times New Roman" panose="02020603050405020304" pitchFamily="18" charset="0"/>
                 <a:cs typeface="Times New Roman" panose="02020603050405020304" pitchFamily="18" charset="0"/>
               </a:rPr>
-              <a:t>Processor</a:t>
-            </a:r>
-            <a:r>
-              <a:rPr lang="en-IN" dirty="0">
+              <a:t>problems</a:t>
+            </a:r>
+          </a:p>
+          <a:p>
+            <a:pPr lvl="1">
+              <a:lnSpc>
+                <a:spcPct val="170000"/>
+              </a:lnSpc>
+            </a:pPr>
+            <a:r>
+              <a:rPr lang="en-US" sz="1200" b="1" dirty="0" smtClean="0">
+                <a:solidFill>
+                  <a:schemeClr val="accent1">
+                    <a:lumMod val="50000"/>
+                  </a:schemeClr>
+                </a:solidFill>
                 <a:latin typeface="Times New Roman" panose="02020603050405020304" pitchFamily="18" charset="0"/>
                 <a:cs typeface="Times New Roman" panose="02020603050405020304" pitchFamily="18" charset="0"/>
               </a:rPr>
-              <a:t>: Intel Core i3 or higher / AMD </a:t>
-            </a:r>
-            <a:r>
-              <a:rPr lang="en-IN" dirty="0" err="1">
+              <a:t>receive </a:t>
+            </a:r>
+            <a:r>
+              <a:rPr lang="en-US" sz="1200" b="1" dirty="0">
+                <a:solidFill>
+                  <a:schemeClr val="accent1">
+                    <a:lumMod val="50000"/>
+                  </a:schemeClr>
+                </a:solidFill>
                 <a:latin typeface="Times New Roman" panose="02020603050405020304" pitchFamily="18" charset="0"/>
                 <a:cs typeface="Times New Roman" panose="02020603050405020304" pitchFamily="18" charset="0"/>
               </a:rPr>
-              <a:t>Ryzen</a:t>
-            </a:r>
-            <a:r>
-              <a:rPr lang="en-IN" dirty="0">
+              <a:t>real-time </a:t>
+            </a:r>
+            <a:r>
+              <a:rPr lang="en-US" sz="1200" b="1" dirty="0" smtClean="0">
+                <a:solidFill>
+                  <a:schemeClr val="accent1">
+                    <a:lumMod val="50000"/>
+                  </a:schemeClr>
+                </a:solidFill>
                 <a:latin typeface="Times New Roman" panose="02020603050405020304" pitchFamily="18" charset="0"/>
                 <a:cs typeface="Times New Roman" panose="02020603050405020304" pitchFamily="18" charset="0"/>
               </a:rPr>
-              <a:t> 3 or higher.</a:t>
-            </a:r>
-          </a:p>
-          <a:p>
-            <a:pPr lvl="1"/>
-            <a:r>
-              <a:rPr lang="en-IN" b="1" dirty="0">
+              <a:t>updates</a:t>
+            </a:r>
+          </a:p>
+          <a:p>
+            <a:pPr lvl="1">
+              <a:lnSpc>
+                <a:spcPct val="170000"/>
+              </a:lnSpc>
+            </a:pPr>
+            <a:r>
+              <a:rPr lang="en-US" sz="1200" b="1" dirty="0">
+                <a:solidFill>
+                  <a:schemeClr val="accent1">
+                    <a:lumMod val="50000"/>
+                  </a:schemeClr>
+                </a:solidFill>
                 <a:latin typeface="Times New Roman" panose="02020603050405020304" pitchFamily="18" charset="0"/>
                 <a:cs typeface="Times New Roman" panose="02020603050405020304" pitchFamily="18" charset="0"/>
               </a:rPr>
-              <a:t>RAM</a:t>
-            </a:r>
-            <a:r>
-              <a:rPr lang="en-IN" dirty="0">
+              <a:t>degradable </a:t>
+            </a:r>
+            <a:r>
+              <a:rPr lang="en-US" sz="1200" b="1" dirty="0" smtClean="0">
+                <a:solidFill>
+                  <a:schemeClr val="accent1">
+                    <a:lumMod val="50000"/>
+                  </a:schemeClr>
+                </a:solidFill>
                 <a:latin typeface="Times New Roman" panose="02020603050405020304" pitchFamily="18" charset="0"/>
                 <a:cs typeface="Times New Roman" panose="02020603050405020304" pitchFamily="18" charset="0"/>
               </a:rPr>
-              <a:t>: Minimum 8GB (Recommended: 16GB for better performance).</a:t>
-            </a:r>
-          </a:p>
-          <a:p>
-            <a:pPr lvl="1"/>
-            <a:r>
-              <a:rPr lang="en-IN" b="1" dirty="0">
+              <a:t>waste to fertilizer conversion.</a:t>
+            </a:r>
+          </a:p>
+          <a:p>
+            <a:pPr>
+              <a:lnSpc>
+                <a:spcPct val="170000"/>
+              </a:lnSpc>
+              <a:buFont typeface="Wingdings" panose="05000000000000000000" pitchFamily="2" charset="2"/>
+              <a:buChar char="Ø"/>
+            </a:pPr>
+            <a:r>
+              <a:rPr lang="en-US" sz="1200" b="1" dirty="0" smtClean="0">
                 <a:latin typeface="Times New Roman" panose="02020603050405020304" pitchFamily="18" charset="0"/>
                 <a:cs typeface="Times New Roman" panose="02020603050405020304" pitchFamily="18" charset="0"/>
               </a:rPr>
-              <a:t>Storage</a:t>
-            </a:r>
-            <a:r>
-              <a:rPr lang="en-IN" dirty="0">
+              <a:t>Admins </a:t>
+            </a:r>
+            <a:r>
+              <a:rPr lang="en-US" sz="1200" b="1" dirty="0">
                 <a:latin typeface="Times New Roman" panose="02020603050405020304" pitchFamily="18" charset="0"/>
                 <a:cs typeface="Times New Roman" panose="02020603050405020304" pitchFamily="18" charset="0"/>
               </a:rPr>
-              <a:t>: Minimum 256GB SSD (Recommended: 500GB SSD or higher).</a:t>
-            </a:r>
-          </a:p>
-          <a:p>
-            <a:pPr lvl="1"/>
-            <a:r>
-              <a:rPr lang="en-IN" b="1" dirty="0">
+              <a:t>will assign workers efficiently, ensuring timely waste disposal. The system promotes cleaner neighborhoods, improves waste collection responsiveness, and enhances worker coordination</a:t>
+            </a:r>
+            <a:r>
+              <a:rPr lang="en-US" sz="1200" b="1" dirty="0" smtClean="0">
                 <a:latin typeface="Times New Roman" panose="02020603050405020304" pitchFamily="18" charset="0"/>
                 <a:cs typeface="Times New Roman" panose="02020603050405020304" pitchFamily="18" charset="0"/>
               </a:rPr>
-              <a:t>Internet Connection</a:t>
-            </a:r>
-            <a:r>
-              <a:rPr lang="en-IN" dirty="0">
-                <a:latin typeface="Times New Roman" panose="02020603050405020304" pitchFamily="18" charset="0"/>
-                <a:cs typeface="Times New Roman" panose="02020603050405020304" pitchFamily="18" charset="0"/>
-              </a:rPr>
-              <a:t>: Required for online hosting, API integration, and remote database access.</a:t>
-            </a:r>
+              <a:t>.</a:t>
+            </a:r>
+            <a:endParaRPr lang="en-IN" sz="1200" b="1" dirty="0">
+              <a:latin typeface="Times New Roman" panose="02020603050405020304" pitchFamily="18" charset="0"/>
+              <a:cs typeface="Times New Roman" panose="02020603050405020304" pitchFamily="18" charset="0"/>
+            </a:endParaRPr>
           </a:p>
         </p:txBody>
       </p:sp>
@@ -7327,8 +7228,8 @@
         </p:nvSpPr>
         <p:spPr>
           <a:xfrm>
-            <a:off x="332832" y="393802"/>
-            <a:ext cx="7203896" cy="923330"/>
+            <a:off x="395574" y="235546"/>
+            <a:ext cx="5891165" cy="923330"/>
           </a:xfrm>
           <a:prstGeom prst="rect">
             <a:avLst/>
@@ -7342,6 +7243,28 @@
           <a:lstStyle/>
           <a:p>
             <a:pPr algn="ctr"/>
+            <a:r>
+              <a:rPr lang="en-US" sz="5400" b="1" dirty="0" smtClean="0">
+                <a:ln w="12700">
+                  <a:solidFill>
+                    <a:schemeClr val="accent1"/>
+                  </a:solidFill>
+                  <a:prstDash val="solid"/>
+                </a:ln>
+                <a:solidFill>
+                  <a:schemeClr val="accent1">
+                    <a:lumMod val="60000"/>
+                    <a:lumOff val="40000"/>
+                  </a:schemeClr>
+                </a:solidFill>
+                <a:effectLst>
+                  <a:outerShdw dist="38100" dir="2640000" algn="bl" rotWithShape="0">
+                    <a:schemeClr val="accent1"/>
+                  </a:outerShdw>
+                </a:effectLst>
+              </a:rPr>
+              <a:t>PROBLEM </a:t>
+            </a:r>
             <a:r>
               <a:rPr lang="en-US" sz="5400" b="1" cap="none" spc="0" dirty="0" smtClean="0">
                 <a:ln w="12700">
@@ -7362,7 +7285,7 @@
                   </a:outerShdw>
                 </a:effectLst>
               </a:rPr>
-              <a:t>HARDWARE REQUIRMENTS</a:t>
+              <a:t>STATEMENT</a:t>
             </a:r>
             <a:endParaRPr lang="en-IN" sz="5400" b="1" cap="none" spc="0" dirty="0">
               <a:ln w="12700">
@@ -7389,21 +7312,21 @@
     </p:spTree>
     <p:extLst>
       <p:ext uri="{BB962C8B-B14F-4D97-AF65-F5344CB8AC3E}">
-        <p14:creationId xmlns:p14="http://schemas.microsoft.com/office/powerpoint/2010/main" val="1893876083"/>
+        <p14:creationId xmlns:p14="http://schemas.microsoft.com/office/powerpoint/2010/main" val="1938069388"/>
       </p:ext>
     </p:extLst>
   </p:cSld>
   <p:clrMapOvr>
     <a:masterClrMapping/>
   </p:clrMapOvr>
-  <mc:AlternateContent xmlns:mc="http://schemas.openxmlformats.org/markup-compatibility/2006" xmlns:p15="http://schemas.microsoft.com/office/powerpoint/2012/main">
-    <mc:Choice Requires="p15">
-      <p:transition xmlns:p14="http://schemas.microsoft.com/office/powerpoint/2010/main" spd="slow" p14:dur="2000">
-        <p15:prstTrans prst="crush"/>
+  <mc:AlternateContent xmlns:mc="http://schemas.openxmlformats.org/markup-compatibility/2006">
+    <mc:Choice xmlns:p14="http://schemas.microsoft.com/office/powerpoint/2010/main" Requires="p14">
+      <p:transition spd="med" p14:dur="700">
+        <p:fade/>
       </p:transition>
     </mc:Choice>
-    <mc:Fallback xmlns="">
-      <p:transition spd="slow">
+    <mc:Fallback>
+      <p:transition spd="med">
         <p:fade/>
       </p:transition>
     </mc:Fallback>
@@ -7437,14 +7360,189 @@
       </p:grpSpPr>
       <p:sp>
         <p:nvSpPr>
-          <p:cNvPr id="3" name="Rectangle 2"/>
+          <p:cNvPr id="3" name="Content Placeholder 2"/>
+          <p:cNvSpPr>
+            <a:spLocks noGrp="1"/>
+          </p:cNvSpPr>
+          <p:nvPr>
+            <p:ph sz="quarter" idx="13"/>
+          </p:nvPr>
+        </p:nvSpPr>
+        <p:spPr>
+          <a:xfrm>
+            <a:off x="332832" y="1506047"/>
+            <a:ext cx="10394707" cy="3311189"/>
+          </a:xfrm>
+        </p:spPr>
+        <p:txBody>
+          <a:bodyPr>
+            <a:noAutofit/>
+          </a:bodyPr>
+          <a:lstStyle/>
+          <a:p>
+            <a:pPr marL="0" indent="0">
+              <a:buNone/>
+            </a:pPr>
+            <a:r>
+              <a:rPr lang="en-IN" sz="1800" b="1" dirty="0">
+                <a:solidFill>
+                  <a:srgbClr val="C00000"/>
+                </a:solidFill>
+                <a:latin typeface="Times New Roman" panose="02020603050405020304" pitchFamily="18" charset="0"/>
+                <a:cs typeface="Times New Roman" panose="02020603050405020304" pitchFamily="18" charset="0"/>
+              </a:rPr>
+              <a:t>Hardware &amp; Software Requirements for Home Waste Collection &amp; Public Waste Management </a:t>
+            </a:r>
+            <a:r>
+              <a:rPr lang="en-IN" sz="1800" b="1" dirty="0" smtClean="0">
+                <a:solidFill>
+                  <a:srgbClr val="C00000"/>
+                </a:solidFill>
+                <a:latin typeface="Times New Roman" panose="02020603050405020304" pitchFamily="18" charset="0"/>
+                <a:cs typeface="Times New Roman" panose="02020603050405020304" pitchFamily="18" charset="0"/>
+              </a:rPr>
+              <a:t>System</a:t>
+            </a:r>
+            <a:endParaRPr lang="en-IN" sz="1800" b="1" dirty="0">
+              <a:solidFill>
+                <a:srgbClr val="C00000"/>
+              </a:solidFill>
+              <a:latin typeface="Times New Roman" panose="02020603050405020304" pitchFamily="18" charset="0"/>
+              <a:cs typeface="Times New Roman" panose="02020603050405020304" pitchFamily="18" charset="0"/>
+            </a:endParaRPr>
+          </a:p>
+          <a:p>
+            <a:pPr lvl="1"/>
+            <a:r>
+              <a:rPr lang="en-IN" b="1" dirty="0" smtClean="0">
+                <a:latin typeface="Times New Roman" panose="02020603050405020304" pitchFamily="18" charset="0"/>
+                <a:cs typeface="Times New Roman" panose="02020603050405020304" pitchFamily="18" charset="0"/>
+              </a:rPr>
+              <a:t>Operating </a:t>
+            </a:r>
+            <a:r>
+              <a:rPr lang="en-IN" b="1" dirty="0">
+                <a:latin typeface="Times New Roman" panose="02020603050405020304" pitchFamily="18" charset="0"/>
+                <a:cs typeface="Times New Roman" panose="02020603050405020304" pitchFamily="18" charset="0"/>
+              </a:rPr>
+              <a:t>System</a:t>
+            </a:r>
+            <a:r>
+              <a:rPr lang="en-IN" dirty="0">
+                <a:latin typeface="Times New Roman" panose="02020603050405020304" pitchFamily="18" charset="0"/>
+                <a:cs typeface="Times New Roman" panose="02020603050405020304" pitchFamily="18" charset="0"/>
+              </a:rPr>
+              <a:t>: Windows, Linux, or </a:t>
+            </a:r>
+            <a:r>
+              <a:rPr lang="en-IN" dirty="0" err="1">
+                <a:latin typeface="Times New Roman" panose="02020603050405020304" pitchFamily="18" charset="0"/>
+                <a:cs typeface="Times New Roman" panose="02020603050405020304" pitchFamily="18" charset="0"/>
+              </a:rPr>
+              <a:t>macOS</a:t>
+            </a:r>
+            <a:r>
+              <a:rPr lang="en-IN" dirty="0">
+                <a:latin typeface="Times New Roman" panose="02020603050405020304" pitchFamily="18" charset="0"/>
+                <a:cs typeface="Times New Roman" panose="02020603050405020304" pitchFamily="18" charset="0"/>
+              </a:rPr>
+              <a:t> (for development and deployment).</a:t>
+            </a:r>
+          </a:p>
+          <a:p>
+            <a:pPr lvl="1"/>
+            <a:r>
+              <a:rPr lang="en-IN" b="1" dirty="0">
+                <a:latin typeface="Times New Roman" panose="02020603050405020304" pitchFamily="18" charset="0"/>
+                <a:cs typeface="Times New Roman" panose="02020603050405020304" pitchFamily="18" charset="0"/>
+              </a:rPr>
+              <a:t>Processor</a:t>
+            </a:r>
+            <a:r>
+              <a:rPr lang="en-IN" dirty="0">
+                <a:latin typeface="Times New Roman" panose="02020603050405020304" pitchFamily="18" charset="0"/>
+                <a:cs typeface="Times New Roman" panose="02020603050405020304" pitchFamily="18" charset="0"/>
+              </a:rPr>
+              <a:t>: Intel Core i3 or higher / AMD </a:t>
+            </a:r>
+            <a:r>
+              <a:rPr lang="en-IN" dirty="0" err="1">
+                <a:latin typeface="Times New Roman" panose="02020603050405020304" pitchFamily="18" charset="0"/>
+                <a:cs typeface="Times New Roman" panose="02020603050405020304" pitchFamily="18" charset="0"/>
+              </a:rPr>
+              <a:t>Ryzen</a:t>
+            </a:r>
+            <a:r>
+              <a:rPr lang="en-IN" dirty="0">
+                <a:latin typeface="Times New Roman" panose="02020603050405020304" pitchFamily="18" charset="0"/>
+                <a:cs typeface="Times New Roman" panose="02020603050405020304" pitchFamily="18" charset="0"/>
+              </a:rPr>
+              <a:t> 3 or higher.</a:t>
+            </a:r>
+          </a:p>
+          <a:p>
+            <a:pPr lvl="1"/>
+            <a:r>
+              <a:rPr lang="en-IN" b="1" dirty="0">
+                <a:latin typeface="Times New Roman" panose="02020603050405020304" pitchFamily="18" charset="0"/>
+                <a:cs typeface="Times New Roman" panose="02020603050405020304" pitchFamily="18" charset="0"/>
+              </a:rPr>
+              <a:t>RAM</a:t>
+            </a:r>
+            <a:r>
+              <a:rPr lang="en-IN" dirty="0">
+                <a:latin typeface="Times New Roman" panose="02020603050405020304" pitchFamily="18" charset="0"/>
+                <a:cs typeface="Times New Roman" panose="02020603050405020304" pitchFamily="18" charset="0"/>
+              </a:rPr>
+              <a:t>: Minimum 8GB (Recommended: 16GB for better performance).</a:t>
+            </a:r>
+          </a:p>
+          <a:p>
+            <a:pPr lvl="1"/>
+            <a:r>
+              <a:rPr lang="en-IN" b="1" dirty="0">
+                <a:latin typeface="Times New Roman" panose="02020603050405020304" pitchFamily="18" charset="0"/>
+                <a:cs typeface="Times New Roman" panose="02020603050405020304" pitchFamily="18" charset="0"/>
+              </a:rPr>
+              <a:t>Storage</a:t>
+            </a:r>
+            <a:r>
+              <a:rPr lang="en-IN" dirty="0">
+                <a:latin typeface="Times New Roman" panose="02020603050405020304" pitchFamily="18" charset="0"/>
+                <a:cs typeface="Times New Roman" panose="02020603050405020304" pitchFamily="18" charset="0"/>
+              </a:rPr>
+              <a:t>: Minimum 256GB SSD (Recommended: 500GB SSD or higher).</a:t>
+            </a:r>
+          </a:p>
+          <a:p>
+            <a:pPr lvl="1"/>
+            <a:r>
+              <a:rPr lang="en-IN" b="1" dirty="0">
+                <a:latin typeface="Times New Roman" panose="02020603050405020304" pitchFamily="18" charset="0"/>
+                <a:cs typeface="Times New Roman" panose="02020603050405020304" pitchFamily="18" charset="0"/>
+              </a:rPr>
+              <a:t>Internet Connection</a:t>
+            </a:r>
+            <a:r>
+              <a:rPr lang="en-IN" dirty="0">
+                <a:latin typeface="Times New Roman" panose="02020603050405020304" pitchFamily="18" charset="0"/>
+                <a:cs typeface="Times New Roman" panose="02020603050405020304" pitchFamily="18" charset="0"/>
+              </a:rPr>
+              <a:t>: Required for online hosting, API integration, and remote database access.</a:t>
+            </a:r>
+          </a:p>
+        </p:txBody>
+      </p:sp>
+      <p:sp>
+        <p:nvSpPr>
+          <p:cNvPr id="4" name="Rectangle 3"/>
           <p:cNvSpPr/>
           <p:nvPr/>
         </p:nvSpPr>
         <p:spPr>
           <a:xfrm>
-            <a:off x="657647" y="291702"/>
-            <a:ext cx="7345730" cy="923330"/>
+            <a:off x="332832" y="393802"/>
+            <a:ext cx="7203896" cy="923330"/>
           </a:xfrm>
           <a:prstGeom prst="rect">
             <a:avLst/>
@@ -7478,7 +7576,7 @@
                   </a:outerShdw>
                 </a:effectLst>
               </a:rPr>
-              <a:t>SOFTWARE REQUIREMENTS</a:t>
+              <a:t>HARDWARE REQUIRMENTS</a:t>
             </a:r>
             <a:endParaRPr lang="en-IN" sz="5400" b="1" cap="none" spc="0" dirty="0">
               <a:ln w="12700">
@@ -7502,566 +7600,24 @@
           </a:p>
         </p:txBody>
       </p:sp>
-      <p:sp>
-        <p:nvSpPr>
-          <p:cNvPr id="7" name="Rectangle 4"/>
-          <p:cNvSpPr>
-            <a:spLocks noGrp="1" noChangeArrowheads="1"/>
-          </p:cNvSpPr>
-          <p:nvPr>
-            <p:ph sz="quarter" idx="13"/>
-          </p:nvPr>
-        </p:nvSpPr>
-        <p:spPr bwMode="auto">
-          <a:xfrm>
-            <a:off x="657647" y="2961776"/>
-            <a:ext cx="11118850" cy="368300"/>
-          </a:xfrm>
-          <a:prstGeom prst="rect">
-            <a:avLst/>
-          </a:prstGeom>
-          <a:noFill/>
-          <a:ln>
-            <a:noFill/>
-          </a:ln>
-          <a:effectLst/>
-          <a:extLst>
-            <a:ext uri="{909E8E84-426E-40DD-AFC4-6F175D3DCCD1}">
-              <a14:hiddenFill xmlns:a14="http://schemas.microsoft.com/office/drawing/2010/main">
-                <a:solidFill>
-                  <a:schemeClr val="accent1"/>
-                </a:solidFill>
-              </a14:hiddenFill>
-            </a:ext>
-            <a:ext uri="{91240B29-F687-4F45-9708-019B960494DF}">
-              <a14:hiddenLine xmlns:a14="http://schemas.microsoft.com/office/drawing/2010/main" w="9525">
-                <a:solidFill>
-                  <a:schemeClr val="tx1"/>
-                </a:solidFill>
-                <a:miter lim="800000"/>
-                <a:headEnd/>
-                <a:tailEnd/>
-              </a14:hiddenLine>
-            </a:ext>
-            <a:ext uri="{AF507438-7753-43E0-B8FC-AC1667EBCBE1}">
-              <a14:hiddenEffects xmlns:a14="http://schemas.microsoft.com/office/drawing/2010/main">
-                <a:effectLst>
-                  <a:outerShdw dist="35921" dir="2700000" algn="ctr" rotWithShape="0">
-                    <a:schemeClr val="bg2"/>
-                  </a:outerShdw>
-                </a:effectLst>
-              </a14:hiddenEffects>
-            </a:ext>
-          </a:extLst>
-        </p:spPr>
-        <p:txBody>
-          <a:bodyPr vert="horz" wrap="none" lIns="91440" tIns="45720" rIns="91440" bIns="45720" numCol="1" anchor="ctr" anchorCtr="0" compatLnSpc="1">
-            <a:prstTxWarp prst="textNoShape">
-              <a:avLst/>
-            </a:prstTxWarp>
-            <a:noAutofit/>
-          </a:bodyPr>
-          <a:lstStyle/>
-          <a:p>
-            <a:pPr marL="0" marR="0" lvl="0" indent="0" algn="l" defTabSz="914400" rtl="0" eaLnBrk="0" fontAlgn="base" latinLnBrk="0" hangingPunct="0">
-              <a:lnSpc>
-                <a:spcPct val="150000"/>
-              </a:lnSpc>
-              <a:spcBef>
-                <a:spcPct val="0"/>
-              </a:spcBef>
-              <a:spcAft>
-                <a:spcPct val="0"/>
-              </a:spcAft>
-              <a:buClrTx/>
-              <a:buSzTx/>
-              <a:buFontTx/>
-              <a:buChar char="•"/>
-              <a:tabLst/>
-            </a:pPr>
-            <a:r>
-              <a:rPr kumimoji="0" lang="en-US" altLang="en-US" b="1" i="0" u="none" strike="noStrike" cap="none" normalizeH="0" baseline="0" dirty="0" smtClean="0">
-                <a:ln>
-                  <a:noFill/>
-                </a:ln>
-                <a:solidFill>
-                  <a:schemeClr val="tx1"/>
-                </a:solidFill>
-                <a:effectLst/>
-                <a:latin typeface="Times New Roman" panose="02020603050405020304" pitchFamily="18" charset="0"/>
-                <a:cs typeface="Times New Roman" panose="02020603050405020304" pitchFamily="18" charset="0"/>
-              </a:rPr>
-              <a:t>Frontend Development</a:t>
-            </a:r>
-            <a:r>
-              <a:rPr kumimoji="0" lang="en-US" altLang="en-US" b="0" i="0" u="none" strike="noStrike" cap="none" normalizeH="0" baseline="0" dirty="0" smtClean="0">
-                <a:ln>
-                  <a:noFill/>
-                </a:ln>
-                <a:solidFill>
-                  <a:schemeClr val="tx1"/>
-                </a:solidFill>
-                <a:effectLst/>
-                <a:latin typeface="Times New Roman" panose="02020603050405020304" pitchFamily="18" charset="0"/>
-                <a:cs typeface="Times New Roman" panose="02020603050405020304" pitchFamily="18" charset="0"/>
-              </a:rPr>
-              <a:t>: HTML, CSS, JavaScript. </a:t>
-            </a:r>
-          </a:p>
-          <a:p>
-            <a:pPr marL="0" marR="0" lvl="0" indent="0" algn="l" defTabSz="914400" rtl="0" eaLnBrk="0" fontAlgn="base" latinLnBrk="0" hangingPunct="0">
-              <a:lnSpc>
-                <a:spcPct val="150000"/>
-              </a:lnSpc>
-              <a:spcBef>
-                <a:spcPct val="0"/>
-              </a:spcBef>
-              <a:spcAft>
-                <a:spcPct val="0"/>
-              </a:spcAft>
-              <a:buClrTx/>
-              <a:buSzTx/>
-              <a:buFontTx/>
-              <a:buChar char="•"/>
-              <a:tabLst/>
-            </a:pPr>
-            <a:r>
-              <a:rPr kumimoji="0" lang="en-US" altLang="en-US" b="1" i="0" u="none" strike="noStrike" cap="none" normalizeH="0" baseline="0" dirty="0" smtClean="0">
-                <a:ln>
-                  <a:noFill/>
-                </a:ln>
-                <a:solidFill>
-                  <a:schemeClr val="tx1"/>
-                </a:solidFill>
-                <a:effectLst/>
-                <a:latin typeface="Times New Roman" panose="02020603050405020304" pitchFamily="18" charset="0"/>
-                <a:cs typeface="Times New Roman" panose="02020603050405020304" pitchFamily="18" charset="0"/>
-              </a:rPr>
-              <a:t>Backend Development</a:t>
-            </a:r>
-            <a:r>
-              <a:rPr kumimoji="0" lang="en-US" altLang="en-US" b="0" i="0" u="none" strike="noStrike" cap="none" normalizeH="0" baseline="0" dirty="0" smtClean="0">
-                <a:ln>
-                  <a:noFill/>
-                </a:ln>
-                <a:solidFill>
-                  <a:schemeClr val="tx1"/>
-                </a:solidFill>
-                <a:effectLst/>
-                <a:latin typeface="Times New Roman" panose="02020603050405020304" pitchFamily="18" charset="0"/>
-                <a:cs typeface="Times New Roman" panose="02020603050405020304" pitchFamily="18" charset="0"/>
-              </a:rPr>
-              <a:t>: PHP (for server-side scripting). </a:t>
-            </a:r>
-          </a:p>
-          <a:p>
-            <a:pPr marL="0" marR="0" lvl="0" indent="0" algn="l" defTabSz="914400" rtl="0" eaLnBrk="0" fontAlgn="base" latinLnBrk="0" hangingPunct="0">
-              <a:lnSpc>
-                <a:spcPct val="150000"/>
-              </a:lnSpc>
-              <a:spcBef>
-                <a:spcPct val="0"/>
-              </a:spcBef>
-              <a:spcAft>
-                <a:spcPct val="0"/>
-              </a:spcAft>
-              <a:buClrTx/>
-              <a:buSzTx/>
-              <a:buFontTx/>
-              <a:buChar char="•"/>
-              <a:tabLst/>
-            </a:pPr>
-            <a:r>
-              <a:rPr kumimoji="0" lang="en-US" altLang="en-US" b="1" i="0" u="none" strike="noStrike" cap="none" normalizeH="0" baseline="0" dirty="0" smtClean="0">
-                <a:ln>
-                  <a:noFill/>
-                </a:ln>
-                <a:solidFill>
-                  <a:schemeClr val="tx1"/>
-                </a:solidFill>
-                <a:effectLst/>
-                <a:latin typeface="Times New Roman" panose="02020603050405020304" pitchFamily="18" charset="0"/>
-                <a:cs typeface="Times New Roman" panose="02020603050405020304" pitchFamily="18" charset="0"/>
-              </a:rPr>
-              <a:t>Database</a:t>
-            </a:r>
-            <a:r>
-              <a:rPr kumimoji="0" lang="en-US" altLang="en-US" b="0" i="0" u="none" strike="noStrike" cap="none" normalizeH="0" baseline="0" dirty="0" smtClean="0">
-                <a:ln>
-                  <a:noFill/>
-                </a:ln>
-                <a:solidFill>
-                  <a:schemeClr val="tx1"/>
-                </a:solidFill>
-                <a:effectLst/>
-                <a:latin typeface="Times New Roman" panose="02020603050405020304" pitchFamily="18" charset="0"/>
-                <a:cs typeface="Times New Roman" panose="02020603050405020304" pitchFamily="18" charset="0"/>
-              </a:rPr>
-              <a:t>: MySQL (for structured data storage and retrieval). </a:t>
-            </a:r>
-          </a:p>
-          <a:p>
-            <a:pPr marL="0" marR="0" lvl="0" indent="0" algn="l" defTabSz="914400" rtl="0" eaLnBrk="0" fontAlgn="base" latinLnBrk="0" hangingPunct="0">
-              <a:lnSpc>
-                <a:spcPct val="150000"/>
-              </a:lnSpc>
-              <a:spcBef>
-                <a:spcPct val="0"/>
-              </a:spcBef>
-              <a:spcAft>
-                <a:spcPct val="0"/>
-              </a:spcAft>
-              <a:buClrTx/>
-              <a:buSzTx/>
-              <a:buFontTx/>
-              <a:buChar char="•"/>
-              <a:tabLst/>
-            </a:pPr>
-            <a:r>
-              <a:rPr kumimoji="0" lang="en-US" altLang="en-US" b="1" i="0" u="none" strike="noStrike" cap="none" normalizeH="0" baseline="0" dirty="0" smtClean="0">
-                <a:ln>
-                  <a:noFill/>
-                </a:ln>
-                <a:solidFill>
-                  <a:schemeClr val="tx1"/>
-                </a:solidFill>
-                <a:effectLst/>
-                <a:latin typeface="Times New Roman" panose="02020603050405020304" pitchFamily="18" charset="0"/>
-                <a:cs typeface="Times New Roman" panose="02020603050405020304" pitchFamily="18" charset="0"/>
-              </a:rPr>
-              <a:t>Web Server</a:t>
-            </a:r>
-            <a:r>
-              <a:rPr kumimoji="0" lang="en-US" altLang="en-US" b="0" i="0" u="none" strike="noStrike" cap="none" normalizeH="0" baseline="0" dirty="0" smtClean="0">
-                <a:ln>
-                  <a:noFill/>
-                </a:ln>
-                <a:solidFill>
-                  <a:schemeClr val="tx1"/>
-                </a:solidFill>
-                <a:effectLst/>
-                <a:latin typeface="Times New Roman" panose="02020603050405020304" pitchFamily="18" charset="0"/>
-                <a:cs typeface="Times New Roman" panose="02020603050405020304" pitchFamily="18" charset="0"/>
-              </a:rPr>
-              <a:t>: Apache (via XAMPP or WAMP for local development). </a:t>
-            </a:r>
-          </a:p>
-          <a:p>
-            <a:pPr marL="0" marR="0" lvl="0" indent="0" algn="l" defTabSz="914400" rtl="0" eaLnBrk="0" fontAlgn="base" latinLnBrk="0" hangingPunct="0">
-              <a:lnSpc>
-                <a:spcPct val="150000"/>
-              </a:lnSpc>
-              <a:spcBef>
-                <a:spcPct val="0"/>
-              </a:spcBef>
-              <a:spcAft>
-                <a:spcPct val="0"/>
-              </a:spcAft>
-              <a:buClrTx/>
-              <a:buSzTx/>
-              <a:buFontTx/>
-              <a:buChar char="•"/>
-              <a:tabLst/>
-            </a:pPr>
-            <a:r>
-              <a:rPr kumimoji="0" lang="en-US" altLang="en-US" b="1" i="0" u="none" strike="noStrike" cap="none" normalizeH="0" baseline="0" dirty="0" smtClean="0">
-                <a:ln>
-                  <a:noFill/>
-                </a:ln>
-                <a:solidFill>
-                  <a:schemeClr val="tx1"/>
-                </a:solidFill>
-                <a:effectLst/>
-                <a:latin typeface="Times New Roman" panose="02020603050405020304" pitchFamily="18" charset="0"/>
-                <a:cs typeface="Times New Roman" panose="02020603050405020304" pitchFamily="18" charset="0"/>
-              </a:rPr>
-              <a:t>Database Management</a:t>
-            </a:r>
-            <a:r>
-              <a:rPr kumimoji="0" lang="en-US" altLang="en-US" b="0" i="0" u="none" strike="noStrike" cap="none" normalizeH="0" baseline="0" dirty="0" smtClean="0">
-                <a:ln>
-                  <a:noFill/>
-                </a:ln>
-                <a:solidFill>
-                  <a:schemeClr val="tx1"/>
-                </a:solidFill>
-                <a:effectLst/>
-                <a:latin typeface="Times New Roman" panose="02020603050405020304" pitchFamily="18" charset="0"/>
-                <a:cs typeface="Times New Roman" panose="02020603050405020304" pitchFamily="18" charset="0"/>
-              </a:rPr>
-              <a:t>: </a:t>
-            </a:r>
-            <a:r>
-              <a:rPr kumimoji="0" lang="en-US" altLang="en-US" b="0" i="0" u="none" strike="noStrike" cap="none" normalizeH="0" baseline="0" dirty="0" err="1" smtClean="0">
-                <a:ln>
-                  <a:noFill/>
-                </a:ln>
-                <a:solidFill>
-                  <a:schemeClr val="tx1"/>
-                </a:solidFill>
-                <a:effectLst/>
-                <a:latin typeface="Times New Roman" panose="02020603050405020304" pitchFamily="18" charset="0"/>
-                <a:cs typeface="Times New Roman" panose="02020603050405020304" pitchFamily="18" charset="0"/>
-              </a:rPr>
-              <a:t>phpMyAdmin</a:t>
-            </a:r>
-            <a:r>
-              <a:rPr kumimoji="0" lang="en-US" altLang="en-US" b="0" i="0" u="none" strike="noStrike" cap="none" normalizeH="0" baseline="0" dirty="0" smtClean="0">
-                <a:ln>
-                  <a:noFill/>
-                </a:ln>
-                <a:solidFill>
-                  <a:schemeClr val="tx1"/>
-                </a:solidFill>
-                <a:effectLst/>
-                <a:latin typeface="Times New Roman" panose="02020603050405020304" pitchFamily="18" charset="0"/>
-                <a:cs typeface="Times New Roman" panose="02020603050405020304" pitchFamily="18" charset="0"/>
-              </a:rPr>
-              <a:t> (for managing MySQL databases). </a:t>
-            </a:r>
-          </a:p>
-          <a:p>
-            <a:pPr marL="0" marR="0" lvl="0" indent="0" algn="l" defTabSz="914400" rtl="0" eaLnBrk="0" fontAlgn="base" latinLnBrk="0" hangingPunct="0">
-              <a:lnSpc>
-                <a:spcPct val="150000"/>
-              </a:lnSpc>
-              <a:spcBef>
-                <a:spcPct val="0"/>
-              </a:spcBef>
-              <a:spcAft>
-                <a:spcPct val="0"/>
-              </a:spcAft>
-              <a:buClrTx/>
-              <a:buSzTx/>
-              <a:buFontTx/>
-              <a:buChar char="•"/>
-              <a:tabLst/>
-            </a:pPr>
-            <a:r>
-              <a:rPr kumimoji="0" lang="en-US" altLang="en-US" b="1" i="0" u="none" strike="noStrike" cap="none" normalizeH="0" baseline="0" dirty="0" smtClean="0">
-                <a:ln>
-                  <a:noFill/>
-                </a:ln>
-                <a:solidFill>
-                  <a:schemeClr val="tx1"/>
-                </a:solidFill>
-                <a:effectLst/>
-                <a:latin typeface="Times New Roman" panose="02020603050405020304" pitchFamily="18" charset="0"/>
-                <a:cs typeface="Times New Roman" panose="02020603050405020304" pitchFamily="18" charset="0"/>
-              </a:rPr>
-              <a:t>Development Environment</a:t>
-            </a:r>
-            <a:r>
-              <a:rPr kumimoji="0" lang="en-US" altLang="en-US" b="0" i="0" u="none" strike="noStrike" cap="none" normalizeH="0" baseline="0" dirty="0" smtClean="0">
-                <a:ln>
-                  <a:noFill/>
-                </a:ln>
-                <a:solidFill>
-                  <a:schemeClr val="tx1"/>
-                </a:solidFill>
-                <a:effectLst/>
-                <a:latin typeface="Times New Roman" panose="02020603050405020304" pitchFamily="18" charset="0"/>
-                <a:cs typeface="Times New Roman" panose="02020603050405020304" pitchFamily="18" charset="0"/>
-              </a:rPr>
-              <a:t>: VS Code, Sublime Text, or </a:t>
-            </a:r>
-            <a:r>
-              <a:rPr kumimoji="0" lang="en-US" altLang="en-US" b="0" i="0" u="none" strike="noStrike" cap="none" normalizeH="0" baseline="0" dirty="0" err="1" smtClean="0">
-                <a:ln>
-                  <a:noFill/>
-                </a:ln>
-                <a:solidFill>
-                  <a:schemeClr val="tx1"/>
-                </a:solidFill>
-                <a:effectLst/>
-                <a:latin typeface="Times New Roman" panose="02020603050405020304" pitchFamily="18" charset="0"/>
-                <a:cs typeface="Times New Roman" panose="02020603050405020304" pitchFamily="18" charset="0"/>
-              </a:rPr>
-              <a:t>PHPStorm</a:t>
-            </a:r>
-            <a:r>
-              <a:rPr kumimoji="0" lang="en-US" altLang="en-US" b="0" i="0" u="none" strike="noStrike" cap="none" normalizeH="0" baseline="0" dirty="0" smtClean="0">
-                <a:ln>
-                  <a:noFill/>
-                </a:ln>
-                <a:solidFill>
-                  <a:schemeClr val="tx1"/>
-                </a:solidFill>
-                <a:effectLst/>
-                <a:latin typeface="Times New Roman" panose="02020603050405020304" pitchFamily="18" charset="0"/>
-                <a:cs typeface="Times New Roman" panose="02020603050405020304" pitchFamily="18" charset="0"/>
-              </a:rPr>
-              <a:t>. </a:t>
-            </a:r>
-          </a:p>
-          <a:p>
-            <a:pPr marL="0" marR="0" lvl="0" indent="0" algn="l" defTabSz="914400" rtl="0" eaLnBrk="0" fontAlgn="base" latinLnBrk="0" hangingPunct="0">
-              <a:lnSpc>
-                <a:spcPct val="150000"/>
-              </a:lnSpc>
-              <a:spcBef>
-                <a:spcPct val="0"/>
-              </a:spcBef>
-              <a:spcAft>
-                <a:spcPct val="0"/>
-              </a:spcAft>
-              <a:buClrTx/>
-              <a:buSzTx/>
-              <a:buFontTx/>
-              <a:buChar char="•"/>
-              <a:tabLst/>
-            </a:pPr>
-            <a:r>
-              <a:rPr kumimoji="0" lang="en-US" altLang="en-US" b="1" i="0" u="none" strike="noStrike" cap="none" normalizeH="0" baseline="0" dirty="0" smtClean="0">
-                <a:ln>
-                  <a:noFill/>
-                </a:ln>
-                <a:solidFill>
-                  <a:schemeClr val="tx1"/>
-                </a:solidFill>
-                <a:effectLst/>
-                <a:latin typeface="Times New Roman" panose="02020603050405020304" pitchFamily="18" charset="0"/>
-                <a:cs typeface="Times New Roman" panose="02020603050405020304" pitchFamily="18" charset="0"/>
-              </a:rPr>
-              <a:t>Version Control</a:t>
-            </a:r>
-            <a:r>
-              <a:rPr kumimoji="0" lang="en-US" altLang="en-US" b="0" i="0" u="none" strike="noStrike" cap="none" normalizeH="0" baseline="0" dirty="0" smtClean="0">
-                <a:ln>
-                  <a:noFill/>
-                </a:ln>
-                <a:solidFill>
-                  <a:schemeClr val="tx1"/>
-                </a:solidFill>
-                <a:effectLst/>
-                <a:latin typeface="Times New Roman" panose="02020603050405020304" pitchFamily="18" charset="0"/>
-                <a:cs typeface="Times New Roman" panose="02020603050405020304" pitchFamily="18" charset="0"/>
-              </a:rPr>
-              <a:t>: </a:t>
-            </a:r>
-            <a:r>
-              <a:rPr kumimoji="0" lang="en-US" altLang="en-US" b="0" i="0" u="none" strike="noStrike" cap="none" normalizeH="0" baseline="0" dirty="0" err="1" smtClean="0">
-                <a:ln>
-                  <a:noFill/>
-                </a:ln>
-                <a:solidFill>
-                  <a:schemeClr val="tx1"/>
-                </a:solidFill>
-                <a:effectLst/>
-                <a:latin typeface="Times New Roman" panose="02020603050405020304" pitchFamily="18" charset="0"/>
-                <a:cs typeface="Times New Roman" panose="02020603050405020304" pitchFamily="18" charset="0"/>
-              </a:rPr>
-              <a:t>Git</a:t>
-            </a:r>
-            <a:r>
-              <a:rPr kumimoji="0" lang="en-US" altLang="en-US" b="0" i="0" u="none" strike="noStrike" cap="none" normalizeH="0" baseline="0" dirty="0" smtClean="0">
-                <a:ln>
-                  <a:noFill/>
-                </a:ln>
-                <a:solidFill>
-                  <a:schemeClr val="tx1"/>
-                </a:solidFill>
-                <a:effectLst/>
-                <a:latin typeface="Times New Roman" panose="02020603050405020304" pitchFamily="18" charset="0"/>
-                <a:cs typeface="Times New Roman" panose="02020603050405020304" pitchFamily="18" charset="0"/>
-              </a:rPr>
-              <a:t>, GitHub, or </a:t>
-            </a:r>
-            <a:r>
-              <a:rPr kumimoji="0" lang="en-US" altLang="en-US" b="0" i="0" u="none" strike="noStrike" cap="none" normalizeH="0" baseline="0" dirty="0" err="1" smtClean="0">
-                <a:ln>
-                  <a:noFill/>
-                </a:ln>
-                <a:solidFill>
-                  <a:schemeClr val="tx1"/>
-                </a:solidFill>
-                <a:effectLst/>
-                <a:latin typeface="Times New Roman" panose="02020603050405020304" pitchFamily="18" charset="0"/>
-                <a:cs typeface="Times New Roman" panose="02020603050405020304" pitchFamily="18" charset="0"/>
-              </a:rPr>
-              <a:t>GitLab</a:t>
-            </a:r>
-            <a:r>
-              <a:rPr kumimoji="0" lang="en-US" altLang="en-US" b="0" i="0" u="none" strike="noStrike" cap="none" normalizeH="0" baseline="0" dirty="0" smtClean="0">
-                <a:ln>
-                  <a:noFill/>
-                </a:ln>
-                <a:solidFill>
-                  <a:schemeClr val="tx1"/>
-                </a:solidFill>
-                <a:effectLst/>
-                <a:latin typeface="Times New Roman" panose="02020603050405020304" pitchFamily="18" charset="0"/>
-                <a:cs typeface="Times New Roman" panose="02020603050405020304" pitchFamily="18" charset="0"/>
-              </a:rPr>
-              <a:t> for project collaboration. </a:t>
-            </a:r>
-          </a:p>
-          <a:p>
-            <a:pPr marL="0" marR="0" lvl="0" indent="0" algn="l" defTabSz="914400" rtl="0" eaLnBrk="0" fontAlgn="base" latinLnBrk="0" hangingPunct="0">
-              <a:lnSpc>
-                <a:spcPct val="150000"/>
-              </a:lnSpc>
-              <a:spcBef>
-                <a:spcPct val="0"/>
-              </a:spcBef>
-              <a:spcAft>
-                <a:spcPct val="0"/>
-              </a:spcAft>
-              <a:buClrTx/>
-              <a:buSzTx/>
-              <a:buFontTx/>
-              <a:buChar char="•"/>
-              <a:tabLst/>
-            </a:pPr>
-            <a:r>
-              <a:rPr kumimoji="0" lang="en-US" altLang="en-US" b="1" i="0" u="none" strike="noStrike" cap="none" normalizeH="0" baseline="0" dirty="0" smtClean="0">
-                <a:ln>
-                  <a:noFill/>
-                </a:ln>
-                <a:solidFill>
-                  <a:schemeClr val="tx1"/>
-                </a:solidFill>
-                <a:effectLst/>
-                <a:latin typeface="Times New Roman" panose="02020603050405020304" pitchFamily="18" charset="0"/>
-                <a:cs typeface="Times New Roman" panose="02020603050405020304" pitchFamily="18" charset="0"/>
-              </a:rPr>
-              <a:t>Browser</a:t>
-            </a:r>
-            <a:r>
-              <a:rPr kumimoji="0" lang="en-US" altLang="en-US" b="0" i="0" u="none" strike="noStrike" cap="none" normalizeH="0" baseline="0" dirty="0" smtClean="0">
-                <a:ln>
-                  <a:noFill/>
-                </a:ln>
-                <a:solidFill>
-                  <a:schemeClr val="tx1"/>
-                </a:solidFill>
-                <a:effectLst/>
-                <a:latin typeface="Times New Roman" panose="02020603050405020304" pitchFamily="18" charset="0"/>
-                <a:cs typeface="Times New Roman" panose="02020603050405020304" pitchFamily="18" charset="0"/>
-              </a:rPr>
-              <a:t>: Google Chrome, Mozilla Firefox, or Microsoft Edge (for testing UI). </a:t>
-            </a:r>
-          </a:p>
-        </p:txBody>
-      </p:sp>
     </p:spTree>
     <p:extLst>
       <p:ext uri="{BB962C8B-B14F-4D97-AF65-F5344CB8AC3E}">
-        <p14:creationId xmlns:p14="http://schemas.microsoft.com/office/powerpoint/2010/main" val="550501542"/>
+        <p14:creationId xmlns:p14="http://schemas.microsoft.com/office/powerpoint/2010/main" val="1893876083"/>
       </p:ext>
     </p:extLst>
   </p:cSld>
   <p:clrMapOvr>
     <a:masterClrMapping/>
   </p:clrMapOvr>
-  <mc:AlternateContent xmlns:mc="http://schemas.openxmlformats.org/markup-compatibility/2006" xmlns:p15="http://schemas.microsoft.com/office/powerpoint/2012/main">
-    <mc:Choice Requires="p15">
-      <p:transition xmlns:p14="http://schemas.microsoft.com/office/powerpoint/2010/main" spd="slow" p14:dur="2000">
-        <p15:prstTrans prst="crush"/>
+  <mc:AlternateContent xmlns:mc="http://schemas.openxmlformats.org/markup-compatibility/2006">
+    <mc:Choice xmlns:p14="http://schemas.microsoft.com/office/powerpoint/2010/main" Requires="p14">
+      <p:transition spd="med" p14:dur="700">
+        <p:fade/>
       </p:transition>
     </mc:Choice>
-    <mc:Fallback xmlns="">
-      <p:transition spd="slow">
+    <mc:Fallback>
+      <p:transition spd="med">
         <p:fade/>
       </p:transition>
     </mc:Fallback>
@@ -8095,115 +7651,14 @@
       </p:grpSpPr>
       <p:sp>
         <p:nvSpPr>
-          <p:cNvPr id="3" name="Content Placeholder 2"/>
-          <p:cNvSpPr>
-            <a:spLocks noGrp="1"/>
-          </p:cNvSpPr>
-          <p:nvPr>
-            <p:ph sz="quarter" idx="13"/>
-          </p:nvPr>
+          <p:cNvPr id="3" name="Rectangle 2"/>
+          <p:cNvSpPr/>
+          <p:nvPr/>
         </p:nvSpPr>
         <p:spPr>
           <a:xfrm>
-            <a:off x="508384" y="1422661"/>
-            <a:ext cx="10394707" cy="3311189"/>
-          </a:xfrm>
-        </p:spPr>
-        <p:txBody>
-          <a:bodyPr>
-            <a:normAutofit/>
-          </a:bodyPr>
-          <a:lstStyle/>
-          <a:p>
-            <a:r>
-              <a:rPr lang="en-US" sz="1600" b="1" dirty="0">
-                <a:latin typeface="Times New Roman" panose="02020603050405020304" pitchFamily="18" charset="0"/>
-                <a:cs typeface="Times New Roman" panose="02020603050405020304" pitchFamily="18" charset="0"/>
-              </a:rPr>
-              <a:t>R. Sharma et al. (2020)</a:t>
-            </a:r>
-            <a:r>
-              <a:rPr lang="en-US" sz="1600" dirty="0">
-                <a:latin typeface="Times New Roman" panose="02020603050405020304" pitchFamily="18" charset="0"/>
-                <a:cs typeface="Times New Roman" panose="02020603050405020304" pitchFamily="18" charset="0"/>
-              </a:rPr>
-              <a:t>: Developed a </a:t>
-            </a:r>
-            <a:r>
-              <a:rPr lang="en-US" sz="1600" b="1" dirty="0">
-                <a:latin typeface="Times New Roman" panose="02020603050405020304" pitchFamily="18" charset="0"/>
-                <a:cs typeface="Times New Roman" panose="02020603050405020304" pitchFamily="18" charset="0"/>
-              </a:rPr>
-              <a:t>smart waste management system</a:t>
-            </a:r>
-            <a:r>
-              <a:rPr lang="en-US" sz="1600" dirty="0">
-                <a:latin typeface="Times New Roman" panose="02020603050405020304" pitchFamily="18" charset="0"/>
-                <a:cs typeface="Times New Roman" panose="02020603050405020304" pitchFamily="18" charset="0"/>
-              </a:rPr>
-              <a:t> using </a:t>
-            </a:r>
-            <a:r>
-              <a:rPr lang="en-US" sz="1600" dirty="0" err="1">
-                <a:latin typeface="Times New Roman" panose="02020603050405020304" pitchFamily="18" charset="0"/>
-                <a:cs typeface="Times New Roman" panose="02020603050405020304" pitchFamily="18" charset="0"/>
-              </a:rPr>
-              <a:t>IoT</a:t>
-            </a:r>
-            <a:r>
-              <a:rPr lang="en-US" sz="1600" dirty="0">
-                <a:latin typeface="Times New Roman" panose="02020603050405020304" pitchFamily="18" charset="0"/>
-                <a:cs typeface="Times New Roman" panose="02020603050405020304" pitchFamily="18" charset="0"/>
-              </a:rPr>
-              <a:t> and cloud computing. The system used sensors in dustbins to monitor fill levels and notify authorities for timely collection. The authors highlighted the importance of real-time monitoring and automated scheduling to improve efficiency in urban waste management.</a:t>
-            </a:r>
-          </a:p>
-          <a:p>
-            <a:r>
-              <a:rPr lang="en-US" sz="1700" b="1" dirty="0">
-                <a:latin typeface="Times New Roman" panose="02020603050405020304" pitchFamily="18" charset="0"/>
-                <a:cs typeface="Times New Roman" panose="02020603050405020304" pitchFamily="18" charset="0"/>
-              </a:rPr>
-              <a:t>A. Patel et al. (2019)</a:t>
-            </a:r>
-            <a:r>
-              <a:rPr lang="en-US" sz="1700" dirty="0">
-                <a:latin typeface="Times New Roman" panose="02020603050405020304" pitchFamily="18" charset="0"/>
-                <a:cs typeface="Times New Roman" panose="02020603050405020304" pitchFamily="18" charset="0"/>
-              </a:rPr>
-              <a:t>: Designed a </a:t>
-            </a:r>
-            <a:r>
-              <a:rPr lang="en-US" sz="1700" b="1" dirty="0">
-                <a:latin typeface="Times New Roman" panose="02020603050405020304" pitchFamily="18" charset="0"/>
-                <a:cs typeface="Times New Roman" panose="02020603050405020304" pitchFamily="18" charset="0"/>
-              </a:rPr>
-              <a:t>mobile-based waste pickup request system</a:t>
-            </a:r>
-            <a:r>
-              <a:rPr lang="en-US" sz="1700" dirty="0">
-                <a:latin typeface="Times New Roman" panose="02020603050405020304" pitchFamily="18" charset="0"/>
-                <a:cs typeface="Times New Roman" panose="02020603050405020304" pitchFamily="18" charset="0"/>
-              </a:rPr>
-              <a:t> to help residents schedule waste collection. The application allowed users to request pickups on-demand, reducing dependency on fixed schedules. The study found that on-demand waste collection significantly improved cleanliness and waste management in residential areas.</a:t>
-            </a:r>
-            <a:endParaRPr lang="en-IN" sz="1700" dirty="0">
-              <a:latin typeface="Times New Roman" panose="02020603050405020304" pitchFamily="18" charset="0"/>
-              <a:cs typeface="Times New Roman" panose="02020603050405020304" pitchFamily="18" charset="0"/>
-            </a:endParaRPr>
-          </a:p>
-        </p:txBody>
-      </p:sp>
-      <p:sp>
-        <p:nvSpPr>
-          <p:cNvPr id="4" name="Rectangle 3"/>
-          <p:cNvSpPr/>
-          <p:nvPr/>
-        </p:nvSpPr>
-        <p:spPr>
-          <a:xfrm>
-            <a:off x="508384" y="499331"/>
-            <a:ext cx="5516511" cy="923330"/>
+            <a:off x="657647" y="291702"/>
+            <a:ext cx="7345730" cy="923330"/>
           </a:xfrm>
           <a:prstGeom prst="rect">
             <a:avLst/>
@@ -8237,7 +7692,7 @@
                   </a:outerShdw>
                 </a:effectLst>
               </a:rPr>
-              <a:t>LITERATURE SURVEY</a:t>
+              <a:t>SOFTWARE REQUIREMENTS</a:t>
             </a:r>
             <a:endParaRPr lang="en-IN" sz="5400" b="1" cap="none" spc="0" dirty="0">
               <a:ln w="12700">
@@ -8261,24 +7716,566 @@
           </a:p>
         </p:txBody>
       </p:sp>
+      <p:sp>
+        <p:nvSpPr>
+          <p:cNvPr id="7" name="Rectangle 4"/>
+          <p:cNvSpPr>
+            <a:spLocks noGrp="1" noChangeArrowheads="1"/>
+          </p:cNvSpPr>
+          <p:nvPr>
+            <p:ph sz="quarter" idx="13"/>
+          </p:nvPr>
+        </p:nvSpPr>
+        <p:spPr bwMode="auto">
+          <a:xfrm>
+            <a:off x="657647" y="2961776"/>
+            <a:ext cx="11118850" cy="368300"/>
+          </a:xfrm>
+          <a:prstGeom prst="rect">
+            <a:avLst/>
+          </a:prstGeom>
+          <a:noFill/>
+          <a:ln>
+            <a:noFill/>
+          </a:ln>
+          <a:effectLst/>
+          <a:extLst>
+            <a:ext uri="{909E8E84-426E-40DD-AFC4-6F175D3DCCD1}">
+              <a14:hiddenFill xmlns:a14="http://schemas.microsoft.com/office/drawing/2010/main">
+                <a:solidFill>
+                  <a:schemeClr val="accent1"/>
+                </a:solidFill>
+              </a14:hiddenFill>
+            </a:ext>
+            <a:ext uri="{91240B29-F687-4F45-9708-019B960494DF}">
+              <a14:hiddenLine xmlns:a14="http://schemas.microsoft.com/office/drawing/2010/main" w="9525">
+                <a:solidFill>
+                  <a:schemeClr val="tx1"/>
+                </a:solidFill>
+                <a:miter lim="800000"/>
+                <a:headEnd/>
+                <a:tailEnd/>
+              </a14:hiddenLine>
+            </a:ext>
+            <a:ext uri="{AF507438-7753-43E0-B8FC-AC1667EBCBE1}">
+              <a14:hiddenEffects xmlns:a14="http://schemas.microsoft.com/office/drawing/2010/main">
+                <a:effectLst>
+                  <a:outerShdw dist="35921" dir="2700000" algn="ctr" rotWithShape="0">
+                    <a:schemeClr val="bg2"/>
+                  </a:outerShdw>
+                </a:effectLst>
+              </a14:hiddenEffects>
+            </a:ext>
+          </a:extLst>
+        </p:spPr>
+        <p:txBody>
+          <a:bodyPr vert="horz" wrap="none" lIns="91440" tIns="45720" rIns="91440" bIns="45720" numCol="1" anchor="ctr" anchorCtr="0" compatLnSpc="1">
+            <a:prstTxWarp prst="textNoShape">
+              <a:avLst/>
+            </a:prstTxWarp>
+            <a:noAutofit/>
+          </a:bodyPr>
+          <a:lstStyle/>
+          <a:p>
+            <a:pPr marL="0" marR="0" lvl="0" indent="0" algn="l" defTabSz="914400" rtl="0" eaLnBrk="0" fontAlgn="base" latinLnBrk="0" hangingPunct="0">
+              <a:lnSpc>
+                <a:spcPct val="150000"/>
+              </a:lnSpc>
+              <a:spcBef>
+                <a:spcPct val="0"/>
+              </a:spcBef>
+              <a:spcAft>
+                <a:spcPct val="0"/>
+              </a:spcAft>
+              <a:buClrTx/>
+              <a:buSzTx/>
+              <a:buFontTx/>
+              <a:buChar char="•"/>
+              <a:tabLst/>
+            </a:pPr>
+            <a:r>
+              <a:rPr kumimoji="0" lang="en-US" altLang="en-US" b="1" i="0" u="none" strike="noStrike" cap="none" normalizeH="0" baseline="0" dirty="0" smtClean="0">
+                <a:ln>
+                  <a:noFill/>
+                </a:ln>
+                <a:solidFill>
+                  <a:schemeClr val="tx1"/>
+                </a:solidFill>
+                <a:effectLst/>
+                <a:latin typeface="Times New Roman" panose="02020603050405020304" pitchFamily="18" charset="0"/>
+                <a:cs typeface="Times New Roman" panose="02020603050405020304" pitchFamily="18" charset="0"/>
+              </a:rPr>
+              <a:t>Frontend Development</a:t>
+            </a:r>
+            <a:r>
+              <a:rPr kumimoji="0" lang="en-US" altLang="en-US" b="0" i="0" u="none" strike="noStrike" cap="none" normalizeH="0" baseline="0" dirty="0" smtClean="0">
+                <a:ln>
+                  <a:noFill/>
+                </a:ln>
+                <a:solidFill>
+                  <a:schemeClr val="tx1"/>
+                </a:solidFill>
+                <a:effectLst/>
+                <a:latin typeface="Times New Roman" panose="02020603050405020304" pitchFamily="18" charset="0"/>
+                <a:cs typeface="Times New Roman" panose="02020603050405020304" pitchFamily="18" charset="0"/>
+              </a:rPr>
+              <a:t>: HTML, CSS, JavaScript. </a:t>
+            </a:r>
+          </a:p>
+          <a:p>
+            <a:pPr marL="0" marR="0" lvl="0" indent="0" algn="l" defTabSz="914400" rtl="0" eaLnBrk="0" fontAlgn="base" latinLnBrk="0" hangingPunct="0">
+              <a:lnSpc>
+                <a:spcPct val="150000"/>
+              </a:lnSpc>
+              <a:spcBef>
+                <a:spcPct val="0"/>
+              </a:spcBef>
+              <a:spcAft>
+                <a:spcPct val="0"/>
+              </a:spcAft>
+              <a:buClrTx/>
+              <a:buSzTx/>
+              <a:buFontTx/>
+              <a:buChar char="•"/>
+              <a:tabLst/>
+            </a:pPr>
+            <a:r>
+              <a:rPr kumimoji="0" lang="en-US" altLang="en-US" b="1" i="0" u="none" strike="noStrike" cap="none" normalizeH="0" baseline="0" dirty="0" smtClean="0">
+                <a:ln>
+                  <a:noFill/>
+                </a:ln>
+                <a:solidFill>
+                  <a:schemeClr val="tx1"/>
+                </a:solidFill>
+                <a:effectLst/>
+                <a:latin typeface="Times New Roman" panose="02020603050405020304" pitchFamily="18" charset="0"/>
+                <a:cs typeface="Times New Roman" panose="02020603050405020304" pitchFamily="18" charset="0"/>
+              </a:rPr>
+              <a:t>Backend Development</a:t>
+            </a:r>
+            <a:r>
+              <a:rPr kumimoji="0" lang="en-US" altLang="en-US" b="0" i="0" u="none" strike="noStrike" cap="none" normalizeH="0" baseline="0" dirty="0" smtClean="0">
+                <a:ln>
+                  <a:noFill/>
+                </a:ln>
+                <a:solidFill>
+                  <a:schemeClr val="tx1"/>
+                </a:solidFill>
+                <a:effectLst/>
+                <a:latin typeface="Times New Roman" panose="02020603050405020304" pitchFamily="18" charset="0"/>
+                <a:cs typeface="Times New Roman" panose="02020603050405020304" pitchFamily="18" charset="0"/>
+              </a:rPr>
+              <a:t>: PHP (for server-side scripting). </a:t>
+            </a:r>
+          </a:p>
+          <a:p>
+            <a:pPr marL="0" marR="0" lvl="0" indent="0" algn="l" defTabSz="914400" rtl="0" eaLnBrk="0" fontAlgn="base" latinLnBrk="0" hangingPunct="0">
+              <a:lnSpc>
+                <a:spcPct val="150000"/>
+              </a:lnSpc>
+              <a:spcBef>
+                <a:spcPct val="0"/>
+              </a:spcBef>
+              <a:spcAft>
+                <a:spcPct val="0"/>
+              </a:spcAft>
+              <a:buClrTx/>
+              <a:buSzTx/>
+              <a:buFontTx/>
+              <a:buChar char="•"/>
+              <a:tabLst/>
+            </a:pPr>
+            <a:r>
+              <a:rPr kumimoji="0" lang="en-US" altLang="en-US" b="1" i="0" u="none" strike="noStrike" cap="none" normalizeH="0" baseline="0" dirty="0" smtClean="0">
+                <a:ln>
+                  <a:noFill/>
+                </a:ln>
+                <a:solidFill>
+                  <a:schemeClr val="tx1"/>
+                </a:solidFill>
+                <a:effectLst/>
+                <a:latin typeface="Times New Roman" panose="02020603050405020304" pitchFamily="18" charset="0"/>
+                <a:cs typeface="Times New Roman" panose="02020603050405020304" pitchFamily="18" charset="0"/>
+              </a:rPr>
+              <a:t>Database</a:t>
+            </a:r>
+            <a:r>
+              <a:rPr kumimoji="0" lang="en-US" altLang="en-US" b="0" i="0" u="none" strike="noStrike" cap="none" normalizeH="0" baseline="0" dirty="0" smtClean="0">
+                <a:ln>
+                  <a:noFill/>
+                </a:ln>
+                <a:solidFill>
+                  <a:schemeClr val="tx1"/>
+                </a:solidFill>
+                <a:effectLst/>
+                <a:latin typeface="Times New Roman" panose="02020603050405020304" pitchFamily="18" charset="0"/>
+                <a:cs typeface="Times New Roman" panose="02020603050405020304" pitchFamily="18" charset="0"/>
+              </a:rPr>
+              <a:t>: MySQL (for structured data storage and retrieval). </a:t>
+            </a:r>
+          </a:p>
+          <a:p>
+            <a:pPr marL="0" marR="0" lvl="0" indent="0" algn="l" defTabSz="914400" rtl="0" eaLnBrk="0" fontAlgn="base" latinLnBrk="0" hangingPunct="0">
+              <a:lnSpc>
+                <a:spcPct val="150000"/>
+              </a:lnSpc>
+              <a:spcBef>
+                <a:spcPct val="0"/>
+              </a:spcBef>
+              <a:spcAft>
+                <a:spcPct val="0"/>
+              </a:spcAft>
+              <a:buClrTx/>
+              <a:buSzTx/>
+              <a:buFontTx/>
+              <a:buChar char="•"/>
+              <a:tabLst/>
+            </a:pPr>
+            <a:r>
+              <a:rPr kumimoji="0" lang="en-US" altLang="en-US" b="1" i="0" u="none" strike="noStrike" cap="none" normalizeH="0" baseline="0" dirty="0" smtClean="0">
+                <a:ln>
+                  <a:noFill/>
+                </a:ln>
+                <a:solidFill>
+                  <a:schemeClr val="tx1"/>
+                </a:solidFill>
+                <a:effectLst/>
+                <a:latin typeface="Times New Roman" panose="02020603050405020304" pitchFamily="18" charset="0"/>
+                <a:cs typeface="Times New Roman" panose="02020603050405020304" pitchFamily="18" charset="0"/>
+              </a:rPr>
+              <a:t>Web Server</a:t>
+            </a:r>
+            <a:r>
+              <a:rPr kumimoji="0" lang="en-US" altLang="en-US" b="0" i="0" u="none" strike="noStrike" cap="none" normalizeH="0" baseline="0" dirty="0" smtClean="0">
+                <a:ln>
+                  <a:noFill/>
+                </a:ln>
+                <a:solidFill>
+                  <a:schemeClr val="tx1"/>
+                </a:solidFill>
+                <a:effectLst/>
+                <a:latin typeface="Times New Roman" panose="02020603050405020304" pitchFamily="18" charset="0"/>
+                <a:cs typeface="Times New Roman" panose="02020603050405020304" pitchFamily="18" charset="0"/>
+              </a:rPr>
+              <a:t>: Apache (via XAMPP or WAMP for local development). </a:t>
+            </a:r>
+          </a:p>
+          <a:p>
+            <a:pPr marL="0" marR="0" lvl="0" indent="0" algn="l" defTabSz="914400" rtl="0" eaLnBrk="0" fontAlgn="base" latinLnBrk="0" hangingPunct="0">
+              <a:lnSpc>
+                <a:spcPct val="150000"/>
+              </a:lnSpc>
+              <a:spcBef>
+                <a:spcPct val="0"/>
+              </a:spcBef>
+              <a:spcAft>
+                <a:spcPct val="0"/>
+              </a:spcAft>
+              <a:buClrTx/>
+              <a:buSzTx/>
+              <a:buFontTx/>
+              <a:buChar char="•"/>
+              <a:tabLst/>
+            </a:pPr>
+            <a:r>
+              <a:rPr kumimoji="0" lang="en-US" altLang="en-US" b="1" i="0" u="none" strike="noStrike" cap="none" normalizeH="0" baseline="0" dirty="0" smtClean="0">
+                <a:ln>
+                  <a:noFill/>
+                </a:ln>
+                <a:solidFill>
+                  <a:schemeClr val="tx1"/>
+                </a:solidFill>
+                <a:effectLst/>
+                <a:latin typeface="Times New Roman" panose="02020603050405020304" pitchFamily="18" charset="0"/>
+                <a:cs typeface="Times New Roman" panose="02020603050405020304" pitchFamily="18" charset="0"/>
+              </a:rPr>
+              <a:t>Database Management</a:t>
+            </a:r>
+            <a:r>
+              <a:rPr kumimoji="0" lang="en-US" altLang="en-US" b="0" i="0" u="none" strike="noStrike" cap="none" normalizeH="0" baseline="0" dirty="0" smtClean="0">
+                <a:ln>
+                  <a:noFill/>
+                </a:ln>
+                <a:solidFill>
+                  <a:schemeClr val="tx1"/>
+                </a:solidFill>
+                <a:effectLst/>
+                <a:latin typeface="Times New Roman" panose="02020603050405020304" pitchFamily="18" charset="0"/>
+                <a:cs typeface="Times New Roman" panose="02020603050405020304" pitchFamily="18" charset="0"/>
+              </a:rPr>
+              <a:t>: </a:t>
+            </a:r>
+            <a:r>
+              <a:rPr kumimoji="0" lang="en-US" altLang="en-US" b="0" i="0" u="none" strike="noStrike" cap="none" normalizeH="0" baseline="0" dirty="0" err="1" smtClean="0">
+                <a:ln>
+                  <a:noFill/>
+                </a:ln>
+                <a:solidFill>
+                  <a:schemeClr val="tx1"/>
+                </a:solidFill>
+                <a:effectLst/>
+                <a:latin typeface="Times New Roman" panose="02020603050405020304" pitchFamily="18" charset="0"/>
+                <a:cs typeface="Times New Roman" panose="02020603050405020304" pitchFamily="18" charset="0"/>
+              </a:rPr>
+              <a:t>phpMyAdmin</a:t>
+            </a:r>
+            <a:r>
+              <a:rPr kumimoji="0" lang="en-US" altLang="en-US" b="0" i="0" u="none" strike="noStrike" cap="none" normalizeH="0" baseline="0" dirty="0" smtClean="0">
+                <a:ln>
+                  <a:noFill/>
+                </a:ln>
+                <a:solidFill>
+                  <a:schemeClr val="tx1"/>
+                </a:solidFill>
+                <a:effectLst/>
+                <a:latin typeface="Times New Roman" panose="02020603050405020304" pitchFamily="18" charset="0"/>
+                <a:cs typeface="Times New Roman" panose="02020603050405020304" pitchFamily="18" charset="0"/>
+              </a:rPr>
+              <a:t> (for managing MySQL databases). </a:t>
+            </a:r>
+          </a:p>
+          <a:p>
+            <a:pPr marL="0" marR="0" lvl="0" indent="0" algn="l" defTabSz="914400" rtl="0" eaLnBrk="0" fontAlgn="base" latinLnBrk="0" hangingPunct="0">
+              <a:lnSpc>
+                <a:spcPct val="150000"/>
+              </a:lnSpc>
+              <a:spcBef>
+                <a:spcPct val="0"/>
+              </a:spcBef>
+              <a:spcAft>
+                <a:spcPct val="0"/>
+              </a:spcAft>
+              <a:buClrTx/>
+              <a:buSzTx/>
+              <a:buFontTx/>
+              <a:buChar char="•"/>
+              <a:tabLst/>
+            </a:pPr>
+            <a:r>
+              <a:rPr kumimoji="0" lang="en-US" altLang="en-US" b="1" i="0" u="none" strike="noStrike" cap="none" normalizeH="0" baseline="0" dirty="0" smtClean="0">
+                <a:ln>
+                  <a:noFill/>
+                </a:ln>
+                <a:solidFill>
+                  <a:schemeClr val="tx1"/>
+                </a:solidFill>
+                <a:effectLst/>
+                <a:latin typeface="Times New Roman" panose="02020603050405020304" pitchFamily="18" charset="0"/>
+                <a:cs typeface="Times New Roman" panose="02020603050405020304" pitchFamily="18" charset="0"/>
+              </a:rPr>
+              <a:t>Development Environment</a:t>
+            </a:r>
+            <a:r>
+              <a:rPr kumimoji="0" lang="en-US" altLang="en-US" b="0" i="0" u="none" strike="noStrike" cap="none" normalizeH="0" baseline="0" dirty="0" smtClean="0">
+                <a:ln>
+                  <a:noFill/>
+                </a:ln>
+                <a:solidFill>
+                  <a:schemeClr val="tx1"/>
+                </a:solidFill>
+                <a:effectLst/>
+                <a:latin typeface="Times New Roman" panose="02020603050405020304" pitchFamily="18" charset="0"/>
+                <a:cs typeface="Times New Roman" panose="02020603050405020304" pitchFamily="18" charset="0"/>
+              </a:rPr>
+              <a:t>: VS Code, Sublime Text, or </a:t>
+            </a:r>
+            <a:r>
+              <a:rPr kumimoji="0" lang="en-US" altLang="en-US" b="0" i="0" u="none" strike="noStrike" cap="none" normalizeH="0" baseline="0" dirty="0" err="1" smtClean="0">
+                <a:ln>
+                  <a:noFill/>
+                </a:ln>
+                <a:solidFill>
+                  <a:schemeClr val="tx1"/>
+                </a:solidFill>
+                <a:effectLst/>
+                <a:latin typeface="Times New Roman" panose="02020603050405020304" pitchFamily="18" charset="0"/>
+                <a:cs typeface="Times New Roman" panose="02020603050405020304" pitchFamily="18" charset="0"/>
+              </a:rPr>
+              <a:t>PHPStorm</a:t>
+            </a:r>
+            <a:r>
+              <a:rPr kumimoji="0" lang="en-US" altLang="en-US" b="0" i="0" u="none" strike="noStrike" cap="none" normalizeH="0" baseline="0" dirty="0" smtClean="0">
+                <a:ln>
+                  <a:noFill/>
+                </a:ln>
+                <a:solidFill>
+                  <a:schemeClr val="tx1"/>
+                </a:solidFill>
+                <a:effectLst/>
+                <a:latin typeface="Times New Roman" panose="02020603050405020304" pitchFamily="18" charset="0"/>
+                <a:cs typeface="Times New Roman" panose="02020603050405020304" pitchFamily="18" charset="0"/>
+              </a:rPr>
+              <a:t>. </a:t>
+            </a:r>
+          </a:p>
+          <a:p>
+            <a:pPr marL="0" marR="0" lvl="0" indent="0" algn="l" defTabSz="914400" rtl="0" eaLnBrk="0" fontAlgn="base" latinLnBrk="0" hangingPunct="0">
+              <a:lnSpc>
+                <a:spcPct val="150000"/>
+              </a:lnSpc>
+              <a:spcBef>
+                <a:spcPct val="0"/>
+              </a:spcBef>
+              <a:spcAft>
+                <a:spcPct val="0"/>
+              </a:spcAft>
+              <a:buClrTx/>
+              <a:buSzTx/>
+              <a:buFontTx/>
+              <a:buChar char="•"/>
+              <a:tabLst/>
+            </a:pPr>
+            <a:r>
+              <a:rPr kumimoji="0" lang="en-US" altLang="en-US" b="1" i="0" u="none" strike="noStrike" cap="none" normalizeH="0" baseline="0" dirty="0" smtClean="0">
+                <a:ln>
+                  <a:noFill/>
+                </a:ln>
+                <a:solidFill>
+                  <a:schemeClr val="tx1"/>
+                </a:solidFill>
+                <a:effectLst/>
+                <a:latin typeface="Times New Roman" panose="02020603050405020304" pitchFamily="18" charset="0"/>
+                <a:cs typeface="Times New Roman" panose="02020603050405020304" pitchFamily="18" charset="0"/>
+              </a:rPr>
+              <a:t>Version Control</a:t>
+            </a:r>
+            <a:r>
+              <a:rPr kumimoji="0" lang="en-US" altLang="en-US" b="0" i="0" u="none" strike="noStrike" cap="none" normalizeH="0" baseline="0" dirty="0" smtClean="0">
+                <a:ln>
+                  <a:noFill/>
+                </a:ln>
+                <a:solidFill>
+                  <a:schemeClr val="tx1"/>
+                </a:solidFill>
+                <a:effectLst/>
+                <a:latin typeface="Times New Roman" panose="02020603050405020304" pitchFamily="18" charset="0"/>
+                <a:cs typeface="Times New Roman" panose="02020603050405020304" pitchFamily="18" charset="0"/>
+              </a:rPr>
+              <a:t>: </a:t>
+            </a:r>
+            <a:r>
+              <a:rPr kumimoji="0" lang="en-US" altLang="en-US" b="0" i="0" u="none" strike="noStrike" cap="none" normalizeH="0" baseline="0" dirty="0" err="1" smtClean="0">
+                <a:ln>
+                  <a:noFill/>
+                </a:ln>
+                <a:solidFill>
+                  <a:schemeClr val="tx1"/>
+                </a:solidFill>
+                <a:effectLst/>
+                <a:latin typeface="Times New Roman" panose="02020603050405020304" pitchFamily="18" charset="0"/>
+                <a:cs typeface="Times New Roman" panose="02020603050405020304" pitchFamily="18" charset="0"/>
+              </a:rPr>
+              <a:t>Git</a:t>
+            </a:r>
+            <a:r>
+              <a:rPr kumimoji="0" lang="en-US" altLang="en-US" b="0" i="0" u="none" strike="noStrike" cap="none" normalizeH="0" baseline="0" dirty="0" smtClean="0">
+                <a:ln>
+                  <a:noFill/>
+                </a:ln>
+                <a:solidFill>
+                  <a:schemeClr val="tx1"/>
+                </a:solidFill>
+                <a:effectLst/>
+                <a:latin typeface="Times New Roman" panose="02020603050405020304" pitchFamily="18" charset="0"/>
+                <a:cs typeface="Times New Roman" panose="02020603050405020304" pitchFamily="18" charset="0"/>
+              </a:rPr>
+              <a:t>, GitHub, or </a:t>
+            </a:r>
+            <a:r>
+              <a:rPr kumimoji="0" lang="en-US" altLang="en-US" b="0" i="0" u="none" strike="noStrike" cap="none" normalizeH="0" baseline="0" dirty="0" err="1" smtClean="0">
+                <a:ln>
+                  <a:noFill/>
+                </a:ln>
+                <a:solidFill>
+                  <a:schemeClr val="tx1"/>
+                </a:solidFill>
+                <a:effectLst/>
+                <a:latin typeface="Times New Roman" panose="02020603050405020304" pitchFamily="18" charset="0"/>
+                <a:cs typeface="Times New Roman" panose="02020603050405020304" pitchFamily="18" charset="0"/>
+              </a:rPr>
+              <a:t>GitLab</a:t>
+            </a:r>
+            <a:r>
+              <a:rPr kumimoji="0" lang="en-US" altLang="en-US" b="0" i="0" u="none" strike="noStrike" cap="none" normalizeH="0" baseline="0" dirty="0" smtClean="0">
+                <a:ln>
+                  <a:noFill/>
+                </a:ln>
+                <a:solidFill>
+                  <a:schemeClr val="tx1"/>
+                </a:solidFill>
+                <a:effectLst/>
+                <a:latin typeface="Times New Roman" panose="02020603050405020304" pitchFamily="18" charset="0"/>
+                <a:cs typeface="Times New Roman" panose="02020603050405020304" pitchFamily="18" charset="0"/>
+              </a:rPr>
+              <a:t> for project collaboration. </a:t>
+            </a:r>
+          </a:p>
+          <a:p>
+            <a:pPr marL="0" marR="0" lvl="0" indent="0" algn="l" defTabSz="914400" rtl="0" eaLnBrk="0" fontAlgn="base" latinLnBrk="0" hangingPunct="0">
+              <a:lnSpc>
+                <a:spcPct val="150000"/>
+              </a:lnSpc>
+              <a:spcBef>
+                <a:spcPct val="0"/>
+              </a:spcBef>
+              <a:spcAft>
+                <a:spcPct val="0"/>
+              </a:spcAft>
+              <a:buClrTx/>
+              <a:buSzTx/>
+              <a:buFontTx/>
+              <a:buChar char="•"/>
+              <a:tabLst/>
+            </a:pPr>
+            <a:r>
+              <a:rPr kumimoji="0" lang="en-US" altLang="en-US" b="1" i="0" u="none" strike="noStrike" cap="none" normalizeH="0" baseline="0" dirty="0" smtClean="0">
+                <a:ln>
+                  <a:noFill/>
+                </a:ln>
+                <a:solidFill>
+                  <a:schemeClr val="tx1"/>
+                </a:solidFill>
+                <a:effectLst/>
+                <a:latin typeface="Times New Roman" panose="02020603050405020304" pitchFamily="18" charset="0"/>
+                <a:cs typeface="Times New Roman" panose="02020603050405020304" pitchFamily="18" charset="0"/>
+              </a:rPr>
+              <a:t>Browser</a:t>
+            </a:r>
+            <a:r>
+              <a:rPr kumimoji="0" lang="en-US" altLang="en-US" b="0" i="0" u="none" strike="noStrike" cap="none" normalizeH="0" baseline="0" dirty="0" smtClean="0">
+                <a:ln>
+                  <a:noFill/>
+                </a:ln>
+                <a:solidFill>
+                  <a:schemeClr val="tx1"/>
+                </a:solidFill>
+                <a:effectLst/>
+                <a:latin typeface="Times New Roman" panose="02020603050405020304" pitchFamily="18" charset="0"/>
+                <a:cs typeface="Times New Roman" panose="02020603050405020304" pitchFamily="18" charset="0"/>
+              </a:rPr>
+              <a:t>: Google Chrome, Mozilla Firefox, or Microsoft Edge (for testing UI). </a:t>
+            </a:r>
+          </a:p>
+        </p:txBody>
+      </p:sp>
     </p:spTree>
     <p:extLst>
       <p:ext uri="{BB962C8B-B14F-4D97-AF65-F5344CB8AC3E}">
-        <p14:creationId xmlns:p14="http://schemas.microsoft.com/office/powerpoint/2010/main" val="3179210189"/>
+        <p14:creationId xmlns:p14="http://schemas.microsoft.com/office/powerpoint/2010/main" val="550501542"/>
       </p:ext>
     </p:extLst>
   </p:cSld>
   <p:clrMapOvr>
     <a:masterClrMapping/>
   </p:clrMapOvr>
-  <mc:AlternateContent xmlns:mc="http://schemas.openxmlformats.org/markup-compatibility/2006" xmlns:p15="http://schemas.microsoft.com/office/powerpoint/2012/main">
-    <mc:Choice Requires="p15">
-      <p:transition xmlns:p14="http://schemas.microsoft.com/office/powerpoint/2010/main" spd="slow" p14:dur="2000">
-        <p15:prstTrans prst="crush"/>
+  <mc:AlternateContent xmlns:mc="http://schemas.openxmlformats.org/markup-compatibility/2006">
+    <mc:Choice xmlns:p14="http://schemas.microsoft.com/office/powerpoint/2010/main" Requires="p14">
+      <p:transition spd="med" p14:dur="700">
+        <p:fade/>
       </p:transition>
     </mc:Choice>
-    <mc:Fallback xmlns="">
-      <p:transition spd="slow">
+    <mc:Fallback>
+      <p:transition spd="med">
         <p:fade/>
       </p:transition>
     </mc:Fallback>
@@ -8310,106 +8307,117 @@
           <a:chExt cx="0" cy="0"/>
         </a:xfrm>
       </p:grpSpPr>
-      <p:pic>
-        <p:nvPicPr>
-          <p:cNvPr id="4" name="Picture 3"/>
-          <p:cNvPicPr>
-            <a:picLocks noChangeAspect="1"/>
-          </p:cNvPicPr>
-          <p:nvPr/>
-        </p:nvPicPr>
-        <p:blipFill>
-          <a:blip r:embed="rId2">
-            <a:extLst>
-              <a:ext uri="{28A0092B-C50C-407E-A947-70E740481C1C}">
-                <a14:useLocalDpi xmlns:a14="http://schemas.microsoft.com/office/drawing/2010/main" val="0"/>
-              </a:ext>
-            </a:extLst>
-          </a:blip>
-          <a:stretch>
-            <a:fillRect/>
-          </a:stretch>
-        </p:blipFill>
+      <p:sp>
+        <p:nvSpPr>
+          <p:cNvPr id="3" name="Content Placeholder 2"/>
+          <p:cNvSpPr>
+            <a:spLocks noGrp="1"/>
+          </p:cNvSpPr>
+          <p:nvPr>
+            <p:ph sz="quarter" idx="13"/>
+          </p:nvPr>
+        </p:nvSpPr>
         <p:spPr>
           <a:xfrm>
-            <a:off x="6898402" y="2997071"/>
-            <a:ext cx="3283991" cy="2240185"/>
+            <a:off x="508384" y="1422661"/>
+            <a:ext cx="10394707" cy="3311189"/>
           </a:xfrm>
-          <a:prstGeom prst="rect">
-            <a:avLst/>
-          </a:prstGeom>
         </p:spPr>
-      </p:pic>
-      <p:pic>
-        <p:nvPicPr>
-          <p:cNvPr id="6" name="Picture 5"/>
-          <p:cNvPicPr>
-            <a:picLocks noChangeAspect="1"/>
-          </p:cNvPicPr>
+        <p:txBody>
+          <a:bodyPr>
+            <a:normAutofit/>
+          </a:bodyPr>
+          <a:lstStyle/>
+          <a:p>
+            <a:r>
+              <a:rPr lang="en-US" sz="1600" b="1" dirty="0">
+                <a:latin typeface="Times New Roman" panose="02020603050405020304" pitchFamily="18" charset="0"/>
+                <a:cs typeface="Times New Roman" panose="02020603050405020304" pitchFamily="18" charset="0"/>
+              </a:rPr>
+              <a:t>R. Sharma et al. (2020)</a:t>
+            </a:r>
+            <a:r>
+              <a:rPr lang="en-US" sz="1600" dirty="0">
+                <a:latin typeface="Times New Roman" panose="02020603050405020304" pitchFamily="18" charset="0"/>
+                <a:cs typeface="Times New Roman" panose="02020603050405020304" pitchFamily="18" charset="0"/>
+              </a:rPr>
+              <a:t>: Developed a </a:t>
+            </a:r>
+            <a:r>
+              <a:rPr lang="en-US" sz="1600" b="1" dirty="0">
+                <a:latin typeface="Times New Roman" panose="02020603050405020304" pitchFamily="18" charset="0"/>
+                <a:cs typeface="Times New Roman" panose="02020603050405020304" pitchFamily="18" charset="0"/>
+              </a:rPr>
+              <a:t>smart waste management system</a:t>
+            </a:r>
+            <a:r>
+              <a:rPr lang="en-US" sz="1600" dirty="0">
+                <a:latin typeface="Times New Roman" panose="02020603050405020304" pitchFamily="18" charset="0"/>
+                <a:cs typeface="Times New Roman" panose="02020603050405020304" pitchFamily="18" charset="0"/>
+              </a:rPr>
+              <a:t> using </a:t>
+            </a:r>
+            <a:r>
+              <a:rPr lang="en-US" sz="1600" dirty="0" err="1">
+                <a:latin typeface="Times New Roman" panose="02020603050405020304" pitchFamily="18" charset="0"/>
+                <a:cs typeface="Times New Roman" panose="02020603050405020304" pitchFamily="18" charset="0"/>
+              </a:rPr>
+              <a:t>IoT</a:t>
+            </a:r>
+            <a:r>
+              <a:rPr lang="en-US" sz="1600" dirty="0">
+                <a:latin typeface="Times New Roman" panose="02020603050405020304" pitchFamily="18" charset="0"/>
+                <a:cs typeface="Times New Roman" panose="02020603050405020304" pitchFamily="18" charset="0"/>
+              </a:rPr>
+              <a:t> and cloud computing. The system used sensors in dustbins to monitor fill levels and notify authorities for timely collection. The authors highlighted the importance of real-time monitoring and automated scheduling to improve efficiency in urban waste management.</a:t>
+            </a:r>
+          </a:p>
+          <a:p>
+            <a:r>
+              <a:rPr lang="en-US" sz="1700" b="1" dirty="0">
+                <a:latin typeface="Times New Roman" panose="02020603050405020304" pitchFamily="18" charset="0"/>
+                <a:cs typeface="Times New Roman" panose="02020603050405020304" pitchFamily="18" charset="0"/>
+              </a:rPr>
+              <a:t>A. Patel et al. (2019)</a:t>
+            </a:r>
+            <a:r>
+              <a:rPr lang="en-US" sz="1700" dirty="0">
+                <a:latin typeface="Times New Roman" panose="02020603050405020304" pitchFamily="18" charset="0"/>
+                <a:cs typeface="Times New Roman" panose="02020603050405020304" pitchFamily="18" charset="0"/>
+              </a:rPr>
+              <a:t>: Designed a </a:t>
+            </a:r>
+            <a:r>
+              <a:rPr lang="en-US" sz="1700" b="1" dirty="0">
+                <a:latin typeface="Times New Roman" panose="02020603050405020304" pitchFamily="18" charset="0"/>
+                <a:cs typeface="Times New Roman" panose="02020603050405020304" pitchFamily="18" charset="0"/>
+              </a:rPr>
+              <a:t>mobile-based waste pickup request system</a:t>
+            </a:r>
+            <a:r>
+              <a:rPr lang="en-US" sz="1700" dirty="0">
+                <a:latin typeface="Times New Roman" panose="02020603050405020304" pitchFamily="18" charset="0"/>
+                <a:cs typeface="Times New Roman" panose="02020603050405020304" pitchFamily="18" charset="0"/>
+              </a:rPr>
+              <a:t> to help residents schedule waste collection. The application allowed users to request pickups on-demand, reducing dependency on fixed schedules. The study found that on-demand waste collection significantly improved cleanliness and waste management in residential areas.</a:t>
+            </a:r>
+            <a:endParaRPr lang="en-IN" sz="1700" dirty="0">
+              <a:latin typeface="Times New Roman" panose="02020603050405020304" pitchFamily="18" charset="0"/>
+              <a:cs typeface="Times New Roman" panose="02020603050405020304" pitchFamily="18" charset="0"/>
+            </a:endParaRPr>
+          </a:p>
+        </p:txBody>
+      </p:sp>
+      <p:sp>
+        <p:nvSpPr>
+          <p:cNvPr id="4" name="Rectangle 3"/>
+          <p:cNvSpPr/>
           <p:nvPr/>
-        </p:nvPicPr>
-        <p:blipFill>
-          <a:blip r:embed="rId3">
-            <a:extLst>
-              <a:ext uri="{28A0092B-C50C-407E-A947-70E740481C1C}">
-                <a14:useLocalDpi xmlns:a14="http://schemas.microsoft.com/office/drawing/2010/main" val="0"/>
-              </a:ext>
-            </a:extLst>
-          </a:blip>
-          <a:stretch>
-            <a:fillRect/>
-          </a:stretch>
-        </p:blipFill>
+        </p:nvSpPr>
         <p:spPr>
           <a:xfrm>
-            <a:off x="693023" y="2732181"/>
-            <a:ext cx="3848100" cy="2505075"/>
-          </a:xfrm>
-          <a:prstGeom prst="rect">
-            <a:avLst/>
-          </a:prstGeom>
-        </p:spPr>
-      </p:pic>
-      <p:pic>
-        <p:nvPicPr>
-          <p:cNvPr id="7" name="Picture 6"/>
-          <p:cNvPicPr>
-            <a:picLocks noChangeAspect="1"/>
-          </p:cNvPicPr>
-          <p:nvPr/>
-        </p:nvPicPr>
-        <p:blipFill>
-          <a:blip r:embed="rId4">
-            <a:extLst>
-              <a:ext uri="{28A0092B-C50C-407E-A947-70E740481C1C}">
-                <a14:useLocalDpi xmlns:a14="http://schemas.microsoft.com/office/drawing/2010/main" val="0"/>
-              </a:ext>
-            </a:extLst>
-          </a:blip>
-          <a:stretch>
-            <a:fillRect/>
-          </a:stretch>
-        </p:blipFill>
-        <p:spPr>
-          <a:xfrm>
-            <a:off x="4280666" y="193292"/>
-            <a:ext cx="1972990" cy="1843238"/>
-          </a:xfrm>
-          <a:prstGeom prst="rect">
-            <a:avLst/>
-          </a:prstGeom>
-        </p:spPr>
-      </p:pic>
-      <p:sp>
-        <p:nvSpPr>
-          <p:cNvPr id="8" name="TextBox 7"/>
-          <p:cNvSpPr txBox="1"/>
-          <p:nvPr/>
-        </p:nvSpPr>
-        <p:spPr>
-          <a:xfrm>
-            <a:off x="4791396" y="5738649"/>
-            <a:ext cx="1462260" cy="461665"/>
+            <a:off x="508384" y="499331"/>
+            <a:ext cx="5516511" cy="923330"/>
           </a:xfrm>
           <a:prstGeom prst="rect">
             <a:avLst/>
@@ -8417,109 +8425,66 @@
           <a:noFill/>
         </p:spPr>
         <p:txBody>
-          <a:bodyPr wrap="none" rtlCol="0">
+          <a:bodyPr wrap="none" lIns="91440" tIns="45720" rIns="91440" bIns="45720">
             <a:spAutoFit/>
           </a:bodyPr>
           <a:lstStyle/>
           <a:p>
-            <a:r>
-              <a:rPr lang="en-US" sz="2400" dirty="0" smtClean="0">
-                <a:solidFill>
-                  <a:schemeClr val="bg2">
-                    <a:lumMod val="40000"/>
-                    <a:lumOff val="60000"/>
+            <a:pPr algn="ctr"/>
+            <a:r>
+              <a:rPr lang="en-US" sz="5400" b="1" cap="none" spc="0" dirty="0" smtClean="0">
+                <a:ln w="12700">
+                  <a:solidFill>
+                    <a:schemeClr val="accent1"/>
+                  </a:solidFill>
+                  <a:prstDash val="solid"/>
+                </a:ln>
+                <a:solidFill>
+                  <a:schemeClr val="accent1">
+                    <a:lumMod val="60000"/>
+                    <a:lumOff val="40000"/>
                   </a:schemeClr>
                 </a:solidFill>
-              </a:rPr>
-              <a:t>Thank you</a:t>
-            </a:r>
-            <a:endParaRPr lang="en-IN" sz="2400" dirty="0">
+                <a:effectLst>
+                  <a:outerShdw dist="38100" dir="2640000" algn="bl" rotWithShape="0">
+                    <a:schemeClr val="accent1"/>
+                  </a:outerShdw>
+                </a:effectLst>
+              </a:rPr>
+              <a:t>LITERATURE SURVEY</a:t>
+            </a:r>
+            <a:endParaRPr lang="en-IN" sz="5400" b="1" cap="none" spc="0" dirty="0">
+              <a:ln w="12700">
+                <a:solidFill>
+                  <a:schemeClr val="accent1"/>
+                </a:solidFill>
+                <a:prstDash val="solid"/>
+              </a:ln>
               <a:solidFill>
-                <a:schemeClr val="bg2">
-                  <a:lumMod val="40000"/>
-                  <a:lumOff val="60000"/>
+                <a:schemeClr val="accent1">
+                  <a:lumMod val="60000"/>
+                  <a:lumOff val="40000"/>
                 </a:schemeClr>
               </a:solidFill>
+              <a:effectLst>
+                <a:outerShdw dist="38100" dir="2640000" algn="bl" rotWithShape="0">
+                  <a:schemeClr val="accent1"/>
+                </a:outerShdw>
+              </a:effectLst>
             </a:endParaRPr>
           </a:p>
         </p:txBody>
       </p:sp>
-      <p:cxnSp>
-        <p:nvCxnSpPr>
-          <p:cNvPr id="10" name="Straight Arrow Connector 9"/>
-          <p:cNvCxnSpPr/>
+      <p:sp>
+        <p:nvSpPr>
+          <p:cNvPr id="2" name="TextBox 1"/>
+          <p:cNvSpPr txBox="1"/>
           <p:nvPr/>
-        </p:nvCxnSpPr>
+        </p:nvSpPr>
         <p:spPr>
           <a:xfrm>
-            <a:off x="6194210" y="2123090"/>
-            <a:ext cx="851337" cy="977462"/>
-          </a:xfrm>
-          <a:prstGeom prst="straightConnector1">
-            <a:avLst/>
-          </a:prstGeom>
-          <a:ln>
-            <a:tailEnd type="triangle"/>
-          </a:ln>
-        </p:spPr>
-        <p:style>
-          <a:lnRef idx="1">
-            <a:schemeClr val="accent1"/>
-          </a:lnRef>
-          <a:fillRef idx="0">
-            <a:schemeClr val="accent1"/>
-          </a:fillRef>
-          <a:effectRef idx="0">
-            <a:schemeClr val="accent1"/>
-          </a:effectRef>
-          <a:fontRef idx="minor">
-            <a:schemeClr val="tx1"/>
-          </a:fontRef>
-        </p:style>
-      </p:cxnSp>
-      <p:cxnSp>
-        <p:nvCxnSpPr>
-          <p:cNvPr id="12" name="Straight Arrow Connector 11"/>
-          <p:cNvCxnSpPr/>
-          <p:nvPr/>
-        </p:nvCxnSpPr>
-        <p:spPr>
-          <a:xfrm flipH="1">
-            <a:off x="3310759" y="2123090"/>
-            <a:ext cx="969907" cy="1093076"/>
-          </a:xfrm>
-          <a:prstGeom prst="straightConnector1">
-            <a:avLst/>
-          </a:prstGeom>
-          <a:ln>
-            <a:tailEnd type="triangle"/>
-          </a:ln>
-        </p:spPr>
-        <p:style>
-          <a:lnRef idx="1">
-            <a:schemeClr val="accent1"/>
-          </a:lnRef>
-          <a:fillRef idx="0">
-            <a:schemeClr val="accent1"/>
-          </a:fillRef>
-          <a:effectRef idx="0">
-            <a:schemeClr val="accent1"/>
-          </a:effectRef>
-          <a:fontRef idx="minor">
-            <a:schemeClr val="tx1"/>
-          </a:fontRef>
-        </p:style>
-      </p:cxnSp>
-      <p:sp>
-        <p:nvSpPr>
-          <p:cNvPr id="13" name="TextBox 12"/>
-          <p:cNvSpPr txBox="1"/>
-          <p:nvPr/>
-        </p:nvSpPr>
-        <p:spPr>
-          <a:xfrm>
-            <a:off x="4908985" y="2123090"/>
-            <a:ext cx="1449774" cy="370339"/>
+            <a:off x="5013434" y="5833241"/>
+            <a:ext cx="2795752" cy="369332"/>
           </a:xfrm>
           <a:prstGeom prst="rect">
             <a:avLst/>
@@ -8534,67 +8499,7 @@
           <a:p>
             <a:r>
               <a:rPr lang="en-US" dirty="0" smtClean="0"/>
-              <a:t>ADMIN</a:t>
-            </a:r>
-            <a:endParaRPr lang="en-IN" dirty="0"/>
-          </a:p>
-        </p:txBody>
-      </p:sp>
-      <p:sp>
-        <p:nvSpPr>
-          <p:cNvPr id="14" name="TextBox 13"/>
-          <p:cNvSpPr txBox="1"/>
-          <p:nvPr/>
-        </p:nvSpPr>
-        <p:spPr>
-          <a:xfrm>
-            <a:off x="8282151" y="5219340"/>
-            <a:ext cx="1450428" cy="369332"/>
-          </a:xfrm>
-          <a:prstGeom prst="rect">
-            <a:avLst/>
-          </a:prstGeom>
-          <a:noFill/>
-        </p:spPr>
-        <p:txBody>
-          <a:bodyPr wrap="square" rtlCol="0">
-            <a:spAutoFit/>
-          </a:bodyPr>
-          <a:lstStyle/>
-          <a:p>
-            <a:r>
-              <a:rPr lang="en-US" dirty="0" smtClean="0"/>
-              <a:t>Users</a:t>
-            </a:r>
-            <a:endParaRPr lang="en-IN" dirty="0"/>
-          </a:p>
-        </p:txBody>
-      </p:sp>
-      <p:sp>
-        <p:nvSpPr>
-          <p:cNvPr id="15" name="TextBox 14"/>
-          <p:cNvSpPr txBox="1"/>
-          <p:nvPr/>
-        </p:nvSpPr>
-        <p:spPr>
-          <a:xfrm>
-            <a:off x="2144110" y="5219340"/>
-            <a:ext cx="2039007" cy="369332"/>
-          </a:xfrm>
-          <a:prstGeom prst="rect">
-            <a:avLst/>
-          </a:prstGeom>
-          <a:noFill/>
-        </p:spPr>
-        <p:txBody>
-          <a:bodyPr wrap="square" rtlCol="0">
-            <a:spAutoFit/>
-          </a:bodyPr>
-          <a:lstStyle/>
-          <a:p>
-            <a:r>
-              <a:rPr lang="en-US" dirty="0" smtClean="0"/>
-              <a:t>Workers</a:t>
+              <a:t>THANK YOU</a:t>
             </a:r>
             <a:endParaRPr lang="en-IN" dirty="0"/>
           </a:p>
@@ -8603,7 +8508,7 @@
     </p:spTree>
     <p:extLst>
       <p:ext uri="{BB962C8B-B14F-4D97-AF65-F5344CB8AC3E}">
-        <p14:creationId xmlns:p14="http://schemas.microsoft.com/office/powerpoint/2010/main" val="1312754335"/>
+        <p14:creationId xmlns:p14="http://schemas.microsoft.com/office/powerpoint/2010/main" val="3179210189"/>
       </p:ext>
     </p:extLst>
   </p:cSld>
@@ -8611,13 +8516,13 @@
     <a:masterClrMapping/>
   </p:clrMapOvr>
   <mc:AlternateContent xmlns:mc="http://schemas.openxmlformats.org/markup-compatibility/2006">
-    <mc:Choice xmlns:p15="http://schemas.microsoft.com/office/powerpoint/2012/main" Requires="p15">
-      <p:transition xmlns:p14="http://schemas.microsoft.com/office/powerpoint/2010/main" spd="slow" p14:dur="2000">
-        <p15:prstTrans prst="crush"/>
+    <mc:Choice xmlns:p14="http://schemas.microsoft.com/office/powerpoint/2010/main" Requires="p14">
+      <p:transition spd="med" p14:dur="700">
+        <p:fade/>
       </p:transition>
     </mc:Choice>
     <mc:Fallback>
-      <p:transition spd="slow">
+      <p:transition spd="med">
         <p:fade/>
       </p:transition>
     </mc:Fallback>
